--- a/fig/selection9.pptx
+++ b/fig/selection9.pptx
@@ -6,6 +6,7 @@
   </p:sldMasterIdLst>
   <p:sldIdLst>
     <p:sldId id="257" r:id="rId2"/>
+    <p:sldId id="258" r:id="rId3"/>
   </p:sldIdLst>
   <p:sldSz cx="12192000" cy="6858000"/>
   <p:notesSz cx="7315200" cy="9601200"/>
@@ -106,7 +107,7 @@
   </p:defaultTextStyle>
   <p:extLst>
     <p:ext uri="{EFAFB233-063F-42B5-8137-9DF3F51BA10A}">
-      <p15:sldGuideLst xmlns:p15="http://schemas.microsoft.com/office/powerpoint/2012/main"/>
+      <p15:sldGuideLst xmlns:p15="http://schemas.microsoft.com/office/powerpoint/2012/main" xmlns=""/>
     </p:ext>
   </p:extLst>
 </p:presentation>
@@ -134,7 +135,7 @@
           <p:cNvPr id="2" name="Title 1">
             <a:extLst>
               <a:ext uri="{FF2B5EF4-FFF2-40B4-BE49-F238E27FC236}">
-                <a16:creationId xmlns:a16="http://schemas.microsoft.com/office/drawing/2014/main" id="{A739BFED-2846-4952-AD8D-5375B0FF4BF5}"/>
+                <a16:creationId xmlns:a16="http://schemas.microsoft.com/office/drawing/2014/main" xmlns="" id="{A739BFED-2846-4952-AD8D-5375B0FF4BF5}"/>
               </a:ext>
             </a:extLst>
           </p:cNvPr>
@@ -171,7 +172,7 @@
           <p:cNvPr id="3" name="Subtitle 2">
             <a:extLst>
               <a:ext uri="{FF2B5EF4-FFF2-40B4-BE49-F238E27FC236}">
-                <a16:creationId xmlns:a16="http://schemas.microsoft.com/office/drawing/2014/main" id="{D3918D8A-2843-465C-8334-ABE056E57645}"/>
+                <a16:creationId xmlns:a16="http://schemas.microsoft.com/office/drawing/2014/main" xmlns="" id="{D3918D8A-2843-465C-8334-ABE056E57645}"/>
               </a:ext>
             </a:extLst>
           </p:cNvPr>
@@ -241,7 +242,7 @@
           <p:cNvPr id="4" name="Date Placeholder 3">
             <a:extLst>
               <a:ext uri="{FF2B5EF4-FFF2-40B4-BE49-F238E27FC236}">
-                <a16:creationId xmlns:a16="http://schemas.microsoft.com/office/drawing/2014/main" id="{01A50B8E-5EA9-4182-A4E3-EDDBEE74DA1E}"/>
+                <a16:creationId xmlns:a16="http://schemas.microsoft.com/office/drawing/2014/main" xmlns="" id="{01A50B8E-5EA9-4182-A4E3-EDDBEE74DA1E}"/>
               </a:ext>
             </a:extLst>
           </p:cNvPr>
@@ -259,7 +260,7 @@
           <a:p>
             <a:fld id="{B0897B73-0710-46BF-BE46-B00F375801C6}" type="datetimeFigureOut">
               <a:rPr lang="en-US" smtClean="0"/>
-              <a:t>6/28/2019</a:t>
+              <a:t>01/07/19</a:t>
             </a:fld>
             <a:endParaRPr lang="en-US"/>
           </a:p>
@@ -270,7 +271,7 @@
           <p:cNvPr id="5" name="Footer Placeholder 4">
             <a:extLst>
               <a:ext uri="{FF2B5EF4-FFF2-40B4-BE49-F238E27FC236}">
-                <a16:creationId xmlns:a16="http://schemas.microsoft.com/office/drawing/2014/main" id="{CB7CBE32-CE72-44DE-B577-95B8F41C6E59}"/>
+                <a16:creationId xmlns:a16="http://schemas.microsoft.com/office/drawing/2014/main" xmlns="" id="{CB7CBE32-CE72-44DE-B577-95B8F41C6E59}"/>
               </a:ext>
             </a:extLst>
           </p:cNvPr>
@@ -295,7 +296,7 @@
           <p:cNvPr id="6" name="Slide Number Placeholder 5">
             <a:extLst>
               <a:ext uri="{FF2B5EF4-FFF2-40B4-BE49-F238E27FC236}">
-                <a16:creationId xmlns:a16="http://schemas.microsoft.com/office/drawing/2014/main" id="{AB733994-45E6-4396-9A6A-FF0F08892394}"/>
+                <a16:creationId xmlns:a16="http://schemas.microsoft.com/office/drawing/2014/main" xmlns="" id="{AB733994-45E6-4396-9A6A-FF0F08892394}"/>
               </a:ext>
             </a:extLst>
           </p:cNvPr>
@@ -354,7 +355,7 @@
           <p:cNvPr id="2" name="Title 1">
             <a:extLst>
               <a:ext uri="{FF2B5EF4-FFF2-40B4-BE49-F238E27FC236}">
-                <a16:creationId xmlns:a16="http://schemas.microsoft.com/office/drawing/2014/main" id="{9216EB90-15E5-494B-B733-A40F20D39C4C}"/>
+                <a16:creationId xmlns:a16="http://schemas.microsoft.com/office/drawing/2014/main" xmlns="" id="{9216EB90-15E5-494B-B733-A40F20D39C4C}"/>
               </a:ext>
             </a:extLst>
           </p:cNvPr>
@@ -382,7 +383,7 @@
           <p:cNvPr id="3" name="Vertical Text Placeholder 2">
             <a:extLst>
               <a:ext uri="{FF2B5EF4-FFF2-40B4-BE49-F238E27FC236}">
-                <a16:creationId xmlns:a16="http://schemas.microsoft.com/office/drawing/2014/main" id="{EA58C115-3677-489A-A63D-BBA8A041572B}"/>
+                <a16:creationId xmlns:a16="http://schemas.microsoft.com/office/drawing/2014/main" xmlns="" id="{EA58C115-3677-489A-A63D-BBA8A041572B}"/>
               </a:ext>
             </a:extLst>
           </p:cNvPr>
@@ -439,7 +440,7 @@
           <p:cNvPr id="4" name="Date Placeholder 3">
             <a:extLst>
               <a:ext uri="{FF2B5EF4-FFF2-40B4-BE49-F238E27FC236}">
-                <a16:creationId xmlns:a16="http://schemas.microsoft.com/office/drawing/2014/main" id="{D8A09799-AE3B-4623-829D-24C91A1B3C6B}"/>
+                <a16:creationId xmlns:a16="http://schemas.microsoft.com/office/drawing/2014/main" xmlns="" id="{D8A09799-AE3B-4623-829D-24C91A1B3C6B}"/>
               </a:ext>
             </a:extLst>
           </p:cNvPr>
@@ -457,7 +458,7 @@
           <a:p>
             <a:fld id="{B0897B73-0710-46BF-BE46-B00F375801C6}" type="datetimeFigureOut">
               <a:rPr lang="en-US" smtClean="0"/>
-              <a:t>6/28/2019</a:t>
+              <a:t>01/07/19</a:t>
             </a:fld>
             <a:endParaRPr lang="en-US"/>
           </a:p>
@@ -468,7 +469,7 @@
           <p:cNvPr id="5" name="Footer Placeholder 4">
             <a:extLst>
               <a:ext uri="{FF2B5EF4-FFF2-40B4-BE49-F238E27FC236}">
-                <a16:creationId xmlns:a16="http://schemas.microsoft.com/office/drawing/2014/main" id="{61361148-7953-4B59-9D73-7490A8819505}"/>
+                <a16:creationId xmlns:a16="http://schemas.microsoft.com/office/drawing/2014/main" xmlns="" id="{61361148-7953-4B59-9D73-7490A8819505}"/>
               </a:ext>
             </a:extLst>
           </p:cNvPr>
@@ -493,7 +494,7 @@
           <p:cNvPr id="6" name="Slide Number Placeholder 5">
             <a:extLst>
               <a:ext uri="{FF2B5EF4-FFF2-40B4-BE49-F238E27FC236}">
-                <a16:creationId xmlns:a16="http://schemas.microsoft.com/office/drawing/2014/main" id="{A37B0B8E-62BA-45DE-A284-65B5E48C6BCA}"/>
+                <a16:creationId xmlns:a16="http://schemas.microsoft.com/office/drawing/2014/main" xmlns="" id="{A37B0B8E-62BA-45DE-A284-65B5E48C6BCA}"/>
               </a:ext>
             </a:extLst>
           </p:cNvPr>
@@ -552,7 +553,7 @@
           <p:cNvPr id="2" name="Vertical Title 1">
             <a:extLst>
               <a:ext uri="{FF2B5EF4-FFF2-40B4-BE49-F238E27FC236}">
-                <a16:creationId xmlns:a16="http://schemas.microsoft.com/office/drawing/2014/main" id="{97FF2D7F-71CD-4F02-A93E-98E743930D15}"/>
+                <a16:creationId xmlns:a16="http://schemas.microsoft.com/office/drawing/2014/main" xmlns="" id="{97FF2D7F-71CD-4F02-A93E-98E743930D15}"/>
               </a:ext>
             </a:extLst>
           </p:cNvPr>
@@ -585,7 +586,7 @@
           <p:cNvPr id="3" name="Vertical Text Placeholder 2">
             <a:extLst>
               <a:ext uri="{FF2B5EF4-FFF2-40B4-BE49-F238E27FC236}">
-                <a16:creationId xmlns:a16="http://schemas.microsoft.com/office/drawing/2014/main" id="{AB11AE72-AF38-4D11-BEBD-7B6D04F193C6}"/>
+                <a16:creationId xmlns:a16="http://schemas.microsoft.com/office/drawing/2014/main" xmlns="" id="{AB11AE72-AF38-4D11-BEBD-7B6D04F193C6}"/>
               </a:ext>
             </a:extLst>
           </p:cNvPr>
@@ -647,7 +648,7 @@
           <p:cNvPr id="4" name="Date Placeholder 3">
             <a:extLst>
               <a:ext uri="{FF2B5EF4-FFF2-40B4-BE49-F238E27FC236}">
-                <a16:creationId xmlns:a16="http://schemas.microsoft.com/office/drawing/2014/main" id="{83D29A5D-F422-43B0-8211-55C4C34939C1}"/>
+                <a16:creationId xmlns:a16="http://schemas.microsoft.com/office/drawing/2014/main" xmlns="" id="{83D29A5D-F422-43B0-8211-55C4C34939C1}"/>
               </a:ext>
             </a:extLst>
           </p:cNvPr>
@@ -665,7 +666,7 @@
           <a:p>
             <a:fld id="{B0897B73-0710-46BF-BE46-B00F375801C6}" type="datetimeFigureOut">
               <a:rPr lang="en-US" smtClean="0"/>
-              <a:t>6/28/2019</a:t>
+              <a:t>01/07/19</a:t>
             </a:fld>
             <a:endParaRPr lang="en-US"/>
           </a:p>
@@ -676,7 +677,7 @@
           <p:cNvPr id="5" name="Footer Placeholder 4">
             <a:extLst>
               <a:ext uri="{FF2B5EF4-FFF2-40B4-BE49-F238E27FC236}">
-                <a16:creationId xmlns:a16="http://schemas.microsoft.com/office/drawing/2014/main" id="{42F25C89-CAB7-49EE-BEAD-436A1208F72D}"/>
+                <a16:creationId xmlns:a16="http://schemas.microsoft.com/office/drawing/2014/main" xmlns="" id="{42F25C89-CAB7-49EE-BEAD-436A1208F72D}"/>
               </a:ext>
             </a:extLst>
           </p:cNvPr>
@@ -701,7 +702,7 @@
           <p:cNvPr id="6" name="Slide Number Placeholder 5">
             <a:extLst>
               <a:ext uri="{FF2B5EF4-FFF2-40B4-BE49-F238E27FC236}">
-                <a16:creationId xmlns:a16="http://schemas.microsoft.com/office/drawing/2014/main" id="{76CC39AA-CEA6-409D-AB14-C5F38BE6C64A}"/>
+                <a16:creationId xmlns:a16="http://schemas.microsoft.com/office/drawing/2014/main" xmlns="" id="{76CC39AA-CEA6-409D-AB14-C5F38BE6C64A}"/>
               </a:ext>
             </a:extLst>
           </p:cNvPr>
@@ -760,7 +761,7 @@
           <p:cNvPr id="2" name="Title 1">
             <a:extLst>
               <a:ext uri="{FF2B5EF4-FFF2-40B4-BE49-F238E27FC236}">
-                <a16:creationId xmlns:a16="http://schemas.microsoft.com/office/drawing/2014/main" id="{6091961E-F4AD-4E91-BEC5-F96D8FE0EDFD}"/>
+                <a16:creationId xmlns:a16="http://schemas.microsoft.com/office/drawing/2014/main" xmlns="" id="{6091961E-F4AD-4E91-BEC5-F96D8FE0EDFD}"/>
               </a:ext>
             </a:extLst>
           </p:cNvPr>
@@ -788,7 +789,7 @@
           <p:cNvPr id="3" name="Content Placeholder 2">
             <a:extLst>
               <a:ext uri="{FF2B5EF4-FFF2-40B4-BE49-F238E27FC236}">
-                <a16:creationId xmlns:a16="http://schemas.microsoft.com/office/drawing/2014/main" id="{A672B02C-7FB9-41FD-A757-F4F008420D1B}"/>
+                <a16:creationId xmlns:a16="http://schemas.microsoft.com/office/drawing/2014/main" xmlns="" id="{A672B02C-7FB9-41FD-A757-F4F008420D1B}"/>
               </a:ext>
             </a:extLst>
           </p:cNvPr>
@@ -845,7 +846,7 @@
           <p:cNvPr id="4" name="Date Placeholder 3">
             <a:extLst>
               <a:ext uri="{FF2B5EF4-FFF2-40B4-BE49-F238E27FC236}">
-                <a16:creationId xmlns:a16="http://schemas.microsoft.com/office/drawing/2014/main" id="{6D8FB40B-944C-4658-B373-A4C38CC2038B}"/>
+                <a16:creationId xmlns:a16="http://schemas.microsoft.com/office/drawing/2014/main" xmlns="" id="{6D8FB40B-944C-4658-B373-A4C38CC2038B}"/>
               </a:ext>
             </a:extLst>
           </p:cNvPr>
@@ -863,7 +864,7 @@
           <a:p>
             <a:fld id="{B0897B73-0710-46BF-BE46-B00F375801C6}" type="datetimeFigureOut">
               <a:rPr lang="en-US" smtClean="0"/>
-              <a:t>6/28/2019</a:t>
+              <a:t>01/07/19</a:t>
             </a:fld>
             <a:endParaRPr lang="en-US"/>
           </a:p>
@@ -874,7 +875,7 @@
           <p:cNvPr id="5" name="Footer Placeholder 4">
             <a:extLst>
               <a:ext uri="{FF2B5EF4-FFF2-40B4-BE49-F238E27FC236}">
-                <a16:creationId xmlns:a16="http://schemas.microsoft.com/office/drawing/2014/main" id="{939A609B-E52D-4741-B8D6-472156B62871}"/>
+                <a16:creationId xmlns:a16="http://schemas.microsoft.com/office/drawing/2014/main" xmlns="" id="{939A609B-E52D-4741-B8D6-472156B62871}"/>
               </a:ext>
             </a:extLst>
           </p:cNvPr>
@@ -899,7 +900,7 @@
           <p:cNvPr id="6" name="Slide Number Placeholder 5">
             <a:extLst>
               <a:ext uri="{FF2B5EF4-FFF2-40B4-BE49-F238E27FC236}">
-                <a16:creationId xmlns:a16="http://schemas.microsoft.com/office/drawing/2014/main" id="{20D7A65D-E90D-4A2B-B7C7-22250F26FFAD}"/>
+                <a16:creationId xmlns:a16="http://schemas.microsoft.com/office/drawing/2014/main" xmlns="" id="{20D7A65D-E90D-4A2B-B7C7-22250F26FFAD}"/>
               </a:ext>
             </a:extLst>
           </p:cNvPr>
@@ -958,7 +959,7 @@
           <p:cNvPr id="2" name="Title 1">
             <a:extLst>
               <a:ext uri="{FF2B5EF4-FFF2-40B4-BE49-F238E27FC236}">
-                <a16:creationId xmlns:a16="http://schemas.microsoft.com/office/drawing/2014/main" id="{BF10824D-21A9-4F0B-8D37-BDA6E83E0A37}"/>
+                <a16:creationId xmlns:a16="http://schemas.microsoft.com/office/drawing/2014/main" xmlns="" id="{BF10824D-21A9-4F0B-8D37-BDA6E83E0A37}"/>
               </a:ext>
             </a:extLst>
           </p:cNvPr>
@@ -995,7 +996,7 @@
           <p:cNvPr id="3" name="Text Placeholder 2">
             <a:extLst>
               <a:ext uri="{FF2B5EF4-FFF2-40B4-BE49-F238E27FC236}">
-                <a16:creationId xmlns:a16="http://schemas.microsoft.com/office/drawing/2014/main" id="{93F61E56-32C8-4393-97CE-2919CA77CCEA}"/>
+                <a16:creationId xmlns:a16="http://schemas.microsoft.com/office/drawing/2014/main" xmlns="" id="{93F61E56-32C8-4393-97CE-2919CA77CCEA}"/>
               </a:ext>
             </a:extLst>
           </p:cNvPr>
@@ -1120,7 +1121,7 @@
           <p:cNvPr id="4" name="Date Placeholder 3">
             <a:extLst>
               <a:ext uri="{FF2B5EF4-FFF2-40B4-BE49-F238E27FC236}">
-                <a16:creationId xmlns:a16="http://schemas.microsoft.com/office/drawing/2014/main" id="{E3E21CEE-E30D-45D5-96DE-CB71F2CBD25C}"/>
+                <a16:creationId xmlns:a16="http://schemas.microsoft.com/office/drawing/2014/main" xmlns="" id="{E3E21CEE-E30D-45D5-96DE-CB71F2CBD25C}"/>
               </a:ext>
             </a:extLst>
           </p:cNvPr>
@@ -1138,7 +1139,7 @@
           <a:p>
             <a:fld id="{B0897B73-0710-46BF-BE46-B00F375801C6}" type="datetimeFigureOut">
               <a:rPr lang="en-US" smtClean="0"/>
-              <a:t>6/28/2019</a:t>
+              <a:t>01/07/19</a:t>
             </a:fld>
             <a:endParaRPr lang="en-US"/>
           </a:p>
@@ -1149,7 +1150,7 @@
           <p:cNvPr id="5" name="Footer Placeholder 4">
             <a:extLst>
               <a:ext uri="{FF2B5EF4-FFF2-40B4-BE49-F238E27FC236}">
-                <a16:creationId xmlns:a16="http://schemas.microsoft.com/office/drawing/2014/main" id="{9C626FBE-4D0D-4D26-9C4C-ED50A0785E07}"/>
+                <a16:creationId xmlns:a16="http://schemas.microsoft.com/office/drawing/2014/main" xmlns="" id="{9C626FBE-4D0D-4D26-9C4C-ED50A0785E07}"/>
               </a:ext>
             </a:extLst>
           </p:cNvPr>
@@ -1174,7 +1175,7 @@
           <p:cNvPr id="6" name="Slide Number Placeholder 5">
             <a:extLst>
               <a:ext uri="{FF2B5EF4-FFF2-40B4-BE49-F238E27FC236}">
-                <a16:creationId xmlns:a16="http://schemas.microsoft.com/office/drawing/2014/main" id="{4089D456-00A9-419C-8B68-F699EEAEA918}"/>
+                <a16:creationId xmlns:a16="http://schemas.microsoft.com/office/drawing/2014/main" xmlns="" id="{4089D456-00A9-419C-8B68-F699EEAEA918}"/>
               </a:ext>
             </a:extLst>
           </p:cNvPr>
@@ -1233,7 +1234,7 @@
           <p:cNvPr id="2" name="Title 1">
             <a:extLst>
               <a:ext uri="{FF2B5EF4-FFF2-40B4-BE49-F238E27FC236}">
-                <a16:creationId xmlns:a16="http://schemas.microsoft.com/office/drawing/2014/main" id="{F731E32F-8FDB-444A-A22B-A19FF73BD8B8}"/>
+                <a16:creationId xmlns:a16="http://schemas.microsoft.com/office/drawing/2014/main" xmlns="" id="{F731E32F-8FDB-444A-A22B-A19FF73BD8B8}"/>
               </a:ext>
             </a:extLst>
           </p:cNvPr>
@@ -1261,7 +1262,7 @@
           <p:cNvPr id="3" name="Content Placeholder 2">
             <a:extLst>
               <a:ext uri="{FF2B5EF4-FFF2-40B4-BE49-F238E27FC236}">
-                <a16:creationId xmlns:a16="http://schemas.microsoft.com/office/drawing/2014/main" id="{BAD6A0A5-48CF-44D9-8329-5DD75C26E7CB}"/>
+                <a16:creationId xmlns:a16="http://schemas.microsoft.com/office/drawing/2014/main" xmlns="" id="{BAD6A0A5-48CF-44D9-8329-5DD75C26E7CB}"/>
               </a:ext>
             </a:extLst>
           </p:cNvPr>
@@ -1323,7 +1324,7 @@
           <p:cNvPr id="4" name="Content Placeholder 3">
             <a:extLst>
               <a:ext uri="{FF2B5EF4-FFF2-40B4-BE49-F238E27FC236}">
-                <a16:creationId xmlns:a16="http://schemas.microsoft.com/office/drawing/2014/main" id="{8CCCA97C-E820-40DC-B74E-6DC42F79BC2F}"/>
+                <a16:creationId xmlns:a16="http://schemas.microsoft.com/office/drawing/2014/main" xmlns="" id="{8CCCA97C-E820-40DC-B74E-6DC42F79BC2F}"/>
               </a:ext>
             </a:extLst>
           </p:cNvPr>
@@ -1385,7 +1386,7 @@
           <p:cNvPr id="5" name="Date Placeholder 4">
             <a:extLst>
               <a:ext uri="{FF2B5EF4-FFF2-40B4-BE49-F238E27FC236}">
-                <a16:creationId xmlns:a16="http://schemas.microsoft.com/office/drawing/2014/main" id="{DAA6DBB3-B1B1-4BBF-9331-76558554E9A7}"/>
+                <a16:creationId xmlns:a16="http://schemas.microsoft.com/office/drawing/2014/main" xmlns="" id="{DAA6DBB3-B1B1-4BBF-9331-76558554E9A7}"/>
               </a:ext>
             </a:extLst>
           </p:cNvPr>
@@ -1403,7 +1404,7 @@
           <a:p>
             <a:fld id="{B0897B73-0710-46BF-BE46-B00F375801C6}" type="datetimeFigureOut">
               <a:rPr lang="en-US" smtClean="0"/>
-              <a:t>6/28/2019</a:t>
+              <a:t>01/07/19</a:t>
             </a:fld>
             <a:endParaRPr lang="en-US"/>
           </a:p>
@@ -1414,7 +1415,7 @@
           <p:cNvPr id="6" name="Footer Placeholder 5">
             <a:extLst>
               <a:ext uri="{FF2B5EF4-FFF2-40B4-BE49-F238E27FC236}">
-                <a16:creationId xmlns:a16="http://schemas.microsoft.com/office/drawing/2014/main" id="{299AD1D3-F75B-4227-B5CA-64ABE4DF8A1B}"/>
+                <a16:creationId xmlns:a16="http://schemas.microsoft.com/office/drawing/2014/main" xmlns="" id="{299AD1D3-F75B-4227-B5CA-64ABE4DF8A1B}"/>
               </a:ext>
             </a:extLst>
           </p:cNvPr>
@@ -1439,7 +1440,7 @@
           <p:cNvPr id="7" name="Slide Number Placeholder 6">
             <a:extLst>
               <a:ext uri="{FF2B5EF4-FFF2-40B4-BE49-F238E27FC236}">
-                <a16:creationId xmlns:a16="http://schemas.microsoft.com/office/drawing/2014/main" id="{9377334D-37F4-40CC-A2D1-C94D4F808BC1}"/>
+                <a16:creationId xmlns:a16="http://schemas.microsoft.com/office/drawing/2014/main" xmlns="" id="{9377334D-37F4-40CC-A2D1-C94D4F808BC1}"/>
               </a:ext>
             </a:extLst>
           </p:cNvPr>
@@ -1498,7 +1499,7 @@
           <p:cNvPr id="2" name="Title 1">
             <a:extLst>
               <a:ext uri="{FF2B5EF4-FFF2-40B4-BE49-F238E27FC236}">
-                <a16:creationId xmlns:a16="http://schemas.microsoft.com/office/drawing/2014/main" id="{4469A032-E715-49BA-BAD5-5C77F738C528}"/>
+                <a16:creationId xmlns:a16="http://schemas.microsoft.com/office/drawing/2014/main" xmlns="" id="{4469A032-E715-49BA-BAD5-5C77F738C528}"/>
               </a:ext>
             </a:extLst>
           </p:cNvPr>
@@ -1531,7 +1532,7 @@
           <p:cNvPr id="3" name="Text Placeholder 2">
             <a:extLst>
               <a:ext uri="{FF2B5EF4-FFF2-40B4-BE49-F238E27FC236}">
-                <a16:creationId xmlns:a16="http://schemas.microsoft.com/office/drawing/2014/main" id="{D5EA7AC4-687B-4588-94B0-966E82537529}"/>
+                <a16:creationId xmlns:a16="http://schemas.microsoft.com/office/drawing/2014/main" xmlns="" id="{D5EA7AC4-687B-4588-94B0-966E82537529}"/>
               </a:ext>
             </a:extLst>
           </p:cNvPr>
@@ -1602,7 +1603,7 @@
           <p:cNvPr id="4" name="Content Placeholder 3">
             <a:extLst>
               <a:ext uri="{FF2B5EF4-FFF2-40B4-BE49-F238E27FC236}">
-                <a16:creationId xmlns:a16="http://schemas.microsoft.com/office/drawing/2014/main" id="{497976C1-42ED-401B-94AB-873745C37622}"/>
+                <a16:creationId xmlns:a16="http://schemas.microsoft.com/office/drawing/2014/main" xmlns="" id="{497976C1-42ED-401B-94AB-873745C37622}"/>
               </a:ext>
             </a:extLst>
           </p:cNvPr>
@@ -1664,7 +1665,7 @@
           <p:cNvPr id="5" name="Text Placeholder 4">
             <a:extLst>
               <a:ext uri="{FF2B5EF4-FFF2-40B4-BE49-F238E27FC236}">
-                <a16:creationId xmlns:a16="http://schemas.microsoft.com/office/drawing/2014/main" id="{ACC5EEE0-C1C7-4A24-BAB3-7A032781CB5D}"/>
+                <a16:creationId xmlns:a16="http://schemas.microsoft.com/office/drawing/2014/main" xmlns="" id="{ACC5EEE0-C1C7-4A24-BAB3-7A032781CB5D}"/>
               </a:ext>
             </a:extLst>
           </p:cNvPr>
@@ -1735,7 +1736,7 @@
           <p:cNvPr id="6" name="Content Placeholder 5">
             <a:extLst>
               <a:ext uri="{FF2B5EF4-FFF2-40B4-BE49-F238E27FC236}">
-                <a16:creationId xmlns:a16="http://schemas.microsoft.com/office/drawing/2014/main" id="{482149DC-F86A-42C6-8E80-A05B2EC92B4E}"/>
+                <a16:creationId xmlns:a16="http://schemas.microsoft.com/office/drawing/2014/main" xmlns="" id="{482149DC-F86A-42C6-8E80-A05B2EC92B4E}"/>
               </a:ext>
             </a:extLst>
           </p:cNvPr>
@@ -1797,7 +1798,7 @@
           <p:cNvPr id="7" name="Date Placeholder 6">
             <a:extLst>
               <a:ext uri="{FF2B5EF4-FFF2-40B4-BE49-F238E27FC236}">
-                <a16:creationId xmlns:a16="http://schemas.microsoft.com/office/drawing/2014/main" id="{F4F8F429-C9FD-4952-AC64-145467694417}"/>
+                <a16:creationId xmlns:a16="http://schemas.microsoft.com/office/drawing/2014/main" xmlns="" id="{F4F8F429-C9FD-4952-AC64-145467694417}"/>
               </a:ext>
             </a:extLst>
           </p:cNvPr>
@@ -1815,7 +1816,7 @@
           <a:p>
             <a:fld id="{B0897B73-0710-46BF-BE46-B00F375801C6}" type="datetimeFigureOut">
               <a:rPr lang="en-US" smtClean="0"/>
-              <a:t>6/28/2019</a:t>
+              <a:t>01/07/19</a:t>
             </a:fld>
             <a:endParaRPr lang="en-US"/>
           </a:p>
@@ -1826,7 +1827,7 @@
           <p:cNvPr id="8" name="Footer Placeholder 7">
             <a:extLst>
               <a:ext uri="{FF2B5EF4-FFF2-40B4-BE49-F238E27FC236}">
-                <a16:creationId xmlns:a16="http://schemas.microsoft.com/office/drawing/2014/main" id="{31B3BAE2-7E45-44FD-872F-2A5A4674FFE8}"/>
+                <a16:creationId xmlns:a16="http://schemas.microsoft.com/office/drawing/2014/main" xmlns="" id="{31B3BAE2-7E45-44FD-872F-2A5A4674FFE8}"/>
               </a:ext>
             </a:extLst>
           </p:cNvPr>
@@ -1851,7 +1852,7 @@
           <p:cNvPr id="9" name="Slide Number Placeholder 8">
             <a:extLst>
               <a:ext uri="{FF2B5EF4-FFF2-40B4-BE49-F238E27FC236}">
-                <a16:creationId xmlns:a16="http://schemas.microsoft.com/office/drawing/2014/main" id="{7ED75272-7578-424E-9FDE-9CEDCADE374F}"/>
+                <a16:creationId xmlns:a16="http://schemas.microsoft.com/office/drawing/2014/main" xmlns="" id="{7ED75272-7578-424E-9FDE-9CEDCADE374F}"/>
               </a:ext>
             </a:extLst>
           </p:cNvPr>
@@ -1910,7 +1911,7 @@
           <p:cNvPr id="2" name="Title 1">
             <a:extLst>
               <a:ext uri="{FF2B5EF4-FFF2-40B4-BE49-F238E27FC236}">
-                <a16:creationId xmlns:a16="http://schemas.microsoft.com/office/drawing/2014/main" id="{38B22C54-94B0-49E5-B966-5255B15E2398}"/>
+                <a16:creationId xmlns:a16="http://schemas.microsoft.com/office/drawing/2014/main" xmlns="" id="{38B22C54-94B0-49E5-B966-5255B15E2398}"/>
               </a:ext>
             </a:extLst>
           </p:cNvPr>
@@ -1938,7 +1939,7 @@
           <p:cNvPr id="3" name="Date Placeholder 2">
             <a:extLst>
               <a:ext uri="{FF2B5EF4-FFF2-40B4-BE49-F238E27FC236}">
-                <a16:creationId xmlns:a16="http://schemas.microsoft.com/office/drawing/2014/main" id="{66D272E6-1E35-4891-8A93-7EE5287E9E5D}"/>
+                <a16:creationId xmlns:a16="http://schemas.microsoft.com/office/drawing/2014/main" xmlns="" id="{66D272E6-1E35-4891-8A93-7EE5287E9E5D}"/>
               </a:ext>
             </a:extLst>
           </p:cNvPr>
@@ -1956,7 +1957,7 @@
           <a:p>
             <a:fld id="{B0897B73-0710-46BF-BE46-B00F375801C6}" type="datetimeFigureOut">
               <a:rPr lang="en-US" smtClean="0"/>
-              <a:t>6/28/2019</a:t>
+              <a:t>01/07/19</a:t>
             </a:fld>
             <a:endParaRPr lang="en-US"/>
           </a:p>
@@ -1967,7 +1968,7 @@
           <p:cNvPr id="4" name="Footer Placeholder 3">
             <a:extLst>
               <a:ext uri="{FF2B5EF4-FFF2-40B4-BE49-F238E27FC236}">
-                <a16:creationId xmlns:a16="http://schemas.microsoft.com/office/drawing/2014/main" id="{EB448569-2F20-42BD-B09A-FC2707178374}"/>
+                <a16:creationId xmlns:a16="http://schemas.microsoft.com/office/drawing/2014/main" xmlns="" id="{EB448569-2F20-42BD-B09A-FC2707178374}"/>
               </a:ext>
             </a:extLst>
           </p:cNvPr>
@@ -1992,7 +1993,7 @@
           <p:cNvPr id="5" name="Slide Number Placeholder 4">
             <a:extLst>
               <a:ext uri="{FF2B5EF4-FFF2-40B4-BE49-F238E27FC236}">
-                <a16:creationId xmlns:a16="http://schemas.microsoft.com/office/drawing/2014/main" id="{C213D166-FC97-4752-94E1-C2F79CCA87B5}"/>
+                <a16:creationId xmlns:a16="http://schemas.microsoft.com/office/drawing/2014/main" xmlns="" id="{C213D166-FC97-4752-94E1-C2F79CCA87B5}"/>
               </a:ext>
             </a:extLst>
           </p:cNvPr>
@@ -2051,7 +2052,7 @@
           <p:cNvPr id="2" name="Date Placeholder 1">
             <a:extLst>
               <a:ext uri="{FF2B5EF4-FFF2-40B4-BE49-F238E27FC236}">
-                <a16:creationId xmlns:a16="http://schemas.microsoft.com/office/drawing/2014/main" id="{CCA5571D-B551-42FC-A910-193B9577A7BD}"/>
+                <a16:creationId xmlns:a16="http://schemas.microsoft.com/office/drawing/2014/main" xmlns="" id="{CCA5571D-B551-42FC-A910-193B9577A7BD}"/>
               </a:ext>
             </a:extLst>
           </p:cNvPr>
@@ -2069,7 +2070,7 @@
           <a:p>
             <a:fld id="{B0897B73-0710-46BF-BE46-B00F375801C6}" type="datetimeFigureOut">
               <a:rPr lang="en-US" smtClean="0"/>
-              <a:t>6/28/2019</a:t>
+              <a:t>01/07/19</a:t>
             </a:fld>
             <a:endParaRPr lang="en-US"/>
           </a:p>
@@ -2080,7 +2081,7 @@
           <p:cNvPr id="3" name="Footer Placeholder 2">
             <a:extLst>
               <a:ext uri="{FF2B5EF4-FFF2-40B4-BE49-F238E27FC236}">
-                <a16:creationId xmlns:a16="http://schemas.microsoft.com/office/drawing/2014/main" id="{1F0BB55B-5A49-4457-A471-7D3779B3674A}"/>
+                <a16:creationId xmlns:a16="http://schemas.microsoft.com/office/drawing/2014/main" xmlns="" id="{1F0BB55B-5A49-4457-A471-7D3779B3674A}"/>
               </a:ext>
             </a:extLst>
           </p:cNvPr>
@@ -2105,7 +2106,7 @@
           <p:cNvPr id="4" name="Slide Number Placeholder 3">
             <a:extLst>
               <a:ext uri="{FF2B5EF4-FFF2-40B4-BE49-F238E27FC236}">
-                <a16:creationId xmlns:a16="http://schemas.microsoft.com/office/drawing/2014/main" id="{3C31E18D-DA04-4A48-96D9-882D97A30704}"/>
+                <a16:creationId xmlns:a16="http://schemas.microsoft.com/office/drawing/2014/main" xmlns="" id="{3C31E18D-DA04-4A48-96D9-882D97A30704}"/>
               </a:ext>
             </a:extLst>
           </p:cNvPr>
@@ -2164,7 +2165,7 @@
           <p:cNvPr id="2" name="Title 1">
             <a:extLst>
               <a:ext uri="{FF2B5EF4-FFF2-40B4-BE49-F238E27FC236}">
-                <a16:creationId xmlns:a16="http://schemas.microsoft.com/office/drawing/2014/main" id="{243C4508-F76C-47F2-B7E3-CE8E7F3519B5}"/>
+                <a16:creationId xmlns:a16="http://schemas.microsoft.com/office/drawing/2014/main" xmlns="" id="{243C4508-F76C-47F2-B7E3-CE8E7F3519B5}"/>
               </a:ext>
             </a:extLst>
           </p:cNvPr>
@@ -2201,7 +2202,7 @@
           <p:cNvPr id="3" name="Content Placeholder 2">
             <a:extLst>
               <a:ext uri="{FF2B5EF4-FFF2-40B4-BE49-F238E27FC236}">
-                <a16:creationId xmlns:a16="http://schemas.microsoft.com/office/drawing/2014/main" id="{08EA63AD-B3F2-4555-BFA3-109DEE4666F8}"/>
+                <a16:creationId xmlns:a16="http://schemas.microsoft.com/office/drawing/2014/main" xmlns="" id="{08EA63AD-B3F2-4555-BFA3-109DEE4666F8}"/>
               </a:ext>
             </a:extLst>
           </p:cNvPr>
@@ -2291,7 +2292,7 @@
           <p:cNvPr id="4" name="Text Placeholder 3">
             <a:extLst>
               <a:ext uri="{FF2B5EF4-FFF2-40B4-BE49-F238E27FC236}">
-                <a16:creationId xmlns:a16="http://schemas.microsoft.com/office/drawing/2014/main" id="{BB0805CE-25F6-4A97-AE07-AA087E2DB1BA}"/>
+                <a16:creationId xmlns:a16="http://schemas.microsoft.com/office/drawing/2014/main" xmlns="" id="{BB0805CE-25F6-4A97-AE07-AA087E2DB1BA}"/>
               </a:ext>
             </a:extLst>
           </p:cNvPr>
@@ -2362,7 +2363,7 @@
           <p:cNvPr id="5" name="Date Placeholder 4">
             <a:extLst>
               <a:ext uri="{FF2B5EF4-FFF2-40B4-BE49-F238E27FC236}">
-                <a16:creationId xmlns:a16="http://schemas.microsoft.com/office/drawing/2014/main" id="{23E287F4-4B57-4147-A6A7-C72D0E3CFF1D}"/>
+                <a16:creationId xmlns:a16="http://schemas.microsoft.com/office/drawing/2014/main" xmlns="" id="{23E287F4-4B57-4147-A6A7-C72D0E3CFF1D}"/>
               </a:ext>
             </a:extLst>
           </p:cNvPr>
@@ -2380,7 +2381,7 @@
           <a:p>
             <a:fld id="{B0897B73-0710-46BF-BE46-B00F375801C6}" type="datetimeFigureOut">
               <a:rPr lang="en-US" smtClean="0"/>
-              <a:t>6/28/2019</a:t>
+              <a:t>01/07/19</a:t>
             </a:fld>
             <a:endParaRPr lang="en-US"/>
           </a:p>
@@ -2391,7 +2392,7 @@
           <p:cNvPr id="6" name="Footer Placeholder 5">
             <a:extLst>
               <a:ext uri="{FF2B5EF4-FFF2-40B4-BE49-F238E27FC236}">
-                <a16:creationId xmlns:a16="http://schemas.microsoft.com/office/drawing/2014/main" id="{F3556768-4891-4FEC-BE5C-11744E6F9B28}"/>
+                <a16:creationId xmlns:a16="http://schemas.microsoft.com/office/drawing/2014/main" xmlns="" id="{F3556768-4891-4FEC-BE5C-11744E6F9B28}"/>
               </a:ext>
             </a:extLst>
           </p:cNvPr>
@@ -2416,7 +2417,7 @@
           <p:cNvPr id="7" name="Slide Number Placeholder 6">
             <a:extLst>
               <a:ext uri="{FF2B5EF4-FFF2-40B4-BE49-F238E27FC236}">
-                <a16:creationId xmlns:a16="http://schemas.microsoft.com/office/drawing/2014/main" id="{4DDA56A2-26BB-4DD9-902A-46340090B1C3}"/>
+                <a16:creationId xmlns:a16="http://schemas.microsoft.com/office/drawing/2014/main" xmlns="" id="{4DDA56A2-26BB-4DD9-902A-46340090B1C3}"/>
               </a:ext>
             </a:extLst>
           </p:cNvPr>
@@ -2475,7 +2476,7 @@
           <p:cNvPr id="2" name="Title 1">
             <a:extLst>
               <a:ext uri="{FF2B5EF4-FFF2-40B4-BE49-F238E27FC236}">
-                <a16:creationId xmlns:a16="http://schemas.microsoft.com/office/drawing/2014/main" id="{FE577543-1E6E-48FD-A0BF-8BDB35EAFDAF}"/>
+                <a16:creationId xmlns:a16="http://schemas.microsoft.com/office/drawing/2014/main" xmlns="" id="{FE577543-1E6E-48FD-A0BF-8BDB35EAFDAF}"/>
               </a:ext>
             </a:extLst>
           </p:cNvPr>
@@ -2512,7 +2513,7 @@
           <p:cNvPr id="3" name="Picture Placeholder 2">
             <a:extLst>
               <a:ext uri="{FF2B5EF4-FFF2-40B4-BE49-F238E27FC236}">
-                <a16:creationId xmlns:a16="http://schemas.microsoft.com/office/drawing/2014/main" id="{A71EFEA4-4268-4CDC-A666-E76A1E47E17D}"/>
+                <a16:creationId xmlns:a16="http://schemas.microsoft.com/office/drawing/2014/main" xmlns="" id="{A71EFEA4-4268-4CDC-A666-E76A1E47E17D}"/>
               </a:ext>
             </a:extLst>
           </p:cNvPr>
@@ -2579,7 +2580,7 @@
           <p:cNvPr id="4" name="Text Placeholder 3">
             <a:extLst>
               <a:ext uri="{FF2B5EF4-FFF2-40B4-BE49-F238E27FC236}">
-                <a16:creationId xmlns:a16="http://schemas.microsoft.com/office/drawing/2014/main" id="{0EDDCF3E-DA9C-41F5-BAE5-8CE716AB0C0A}"/>
+                <a16:creationId xmlns:a16="http://schemas.microsoft.com/office/drawing/2014/main" xmlns="" id="{0EDDCF3E-DA9C-41F5-BAE5-8CE716AB0C0A}"/>
               </a:ext>
             </a:extLst>
           </p:cNvPr>
@@ -2650,7 +2651,7 @@
           <p:cNvPr id="5" name="Date Placeholder 4">
             <a:extLst>
               <a:ext uri="{FF2B5EF4-FFF2-40B4-BE49-F238E27FC236}">
-                <a16:creationId xmlns:a16="http://schemas.microsoft.com/office/drawing/2014/main" id="{AD95E707-B4E4-4C2B-8063-7FD2AD640A2E}"/>
+                <a16:creationId xmlns:a16="http://schemas.microsoft.com/office/drawing/2014/main" xmlns="" id="{AD95E707-B4E4-4C2B-8063-7FD2AD640A2E}"/>
               </a:ext>
             </a:extLst>
           </p:cNvPr>
@@ -2668,7 +2669,7 @@
           <a:p>
             <a:fld id="{B0897B73-0710-46BF-BE46-B00F375801C6}" type="datetimeFigureOut">
               <a:rPr lang="en-US" smtClean="0"/>
-              <a:t>6/28/2019</a:t>
+              <a:t>01/07/19</a:t>
             </a:fld>
             <a:endParaRPr lang="en-US"/>
           </a:p>
@@ -2679,7 +2680,7 @@
           <p:cNvPr id="6" name="Footer Placeholder 5">
             <a:extLst>
               <a:ext uri="{FF2B5EF4-FFF2-40B4-BE49-F238E27FC236}">
-                <a16:creationId xmlns:a16="http://schemas.microsoft.com/office/drawing/2014/main" id="{AD1FE610-90FA-4C84-8BA0-2C3C1C4EA477}"/>
+                <a16:creationId xmlns:a16="http://schemas.microsoft.com/office/drawing/2014/main" xmlns="" id="{AD1FE610-90FA-4C84-8BA0-2C3C1C4EA477}"/>
               </a:ext>
             </a:extLst>
           </p:cNvPr>
@@ -2704,7 +2705,7 @@
           <p:cNvPr id="7" name="Slide Number Placeholder 6">
             <a:extLst>
               <a:ext uri="{FF2B5EF4-FFF2-40B4-BE49-F238E27FC236}">
-                <a16:creationId xmlns:a16="http://schemas.microsoft.com/office/drawing/2014/main" id="{5DEFC406-8AEE-4C67-AED4-4A354D3DF0C7}"/>
+                <a16:creationId xmlns:a16="http://schemas.microsoft.com/office/drawing/2014/main" xmlns="" id="{5DEFC406-8AEE-4C67-AED4-4A354D3DF0C7}"/>
               </a:ext>
             </a:extLst>
           </p:cNvPr>
@@ -2768,7 +2769,7 @@
           <p:cNvPr id="2" name="Title Placeholder 1">
             <a:extLst>
               <a:ext uri="{FF2B5EF4-FFF2-40B4-BE49-F238E27FC236}">
-                <a16:creationId xmlns:a16="http://schemas.microsoft.com/office/drawing/2014/main" id="{18BC44EC-47C7-4BBB-A802-28588E75E081}"/>
+                <a16:creationId xmlns:a16="http://schemas.microsoft.com/office/drawing/2014/main" xmlns="" id="{18BC44EC-47C7-4BBB-A802-28588E75E081}"/>
               </a:ext>
             </a:extLst>
           </p:cNvPr>
@@ -2806,7 +2807,7 @@
           <p:cNvPr id="3" name="Text Placeholder 2">
             <a:extLst>
               <a:ext uri="{FF2B5EF4-FFF2-40B4-BE49-F238E27FC236}">
-                <a16:creationId xmlns:a16="http://schemas.microsoft.com/office/drawing/2014/main" id="{890F1D85-1A11-4215-B5FE-A41F582992CC}"/>
+                <a16:creationId xmlns:a16="http://schemas.microsoft.com/office/drawing/2014/main" xmlns="" id="{890F1D85-1A11-4215-B5FE-A41F582992CC}"/>
               </a:ext>
             </a:extLst>
           </p:cNvPr>
@@ -2873,7 +2874,7 @@
           <p:cNvPr id="4" name="Date Placeholder 3">
             <a:extLst>
               <a:ext uri="{FF2B5EF4-FFF2-40B4-BE49-F238E27FC236}">
-                <a16:creationId xmlns:a16="http://schemas.microsoft.com/office/drawing/2014/main" id="{F05930A0-1812-42BE-BC9B-C8029DD2E680}"/>
+                <a16:creationId xmlns:a16="http://schemas.microsoft.com/office/drawing/2014/main" xmlns="" id="{F05930A0-1812-42BE-BC9B-C8029DD2E680}"/>
               </a:ext>
             </a:extLst>
           </p:cNvPr>
@@ -2909,7 +2910,7 @@
           <a:p>
             <a:fld id="{B0897B73-0710-46BF-BE46-B00F375801C6}" type="datetimeFigureOut">
               <a:rPr lang="en-US" smtClean="0"/>
-              <a:t>6/28/2019</a:t>
+              <a:t>01/07/19</a:t>
             </a:fld>
             <a:endParaRPr lang="en-US"/>
           </a:p>
@@ -2920,7 +2921,7 @@
           <p:cNvPr id="5" name="Footer Placeholder 4">
             <a:extLst>
               <a:ext uri="{FF2B5EF4-FFF2-40B4-BE49-F238E27FC236}">
-                <a16:creationId xmlns:a16="http://schemas.microsoft.com/office/drawing/2014/main" id="{DFA14190-CE5B-416B-BE9A-A0F48FD9EAAB}"/>
+                <a16:creationId xmlns:a16="http://schemas.microsoft.com/office/drawing/2014/main" xmlns="" id="{DFA14190-CE5B-416B-BE9A-A0F48FD9EAAB}"/>
               </a:ext>
             </a:extLst>
           </p:cNvPr>
@@ -2963,7 +2964,7 @@
           <p:cNvPr id="6" name="Slide Number Placeholder 5">
             <a:extLst>
               <a:ext uri="{FF2B5EF4-FFF2-40B4-BE49-F238E27FC236}">
-                <a16:creationId xmlns:a16="http://schemas.microsoft.com/office/drawing/2014/main" id="{B8075555-DB18-4F61-9E1C-BBDADC3B3615}"/>
+                <a16:creationId xmlns:a16="http://schemas.microsoft.com/office/drawing/2014/main" xmlns="" id="{B8075555-DB18-4F61-9E1C-BBDADC3B3615}"/>
               </a:ext>
             </a:extLst>
           </p:cNvPr>
@@ -3331,7 +3332,7 @@
           <p:cNvPr id="12" name="Rectangle 11">
             <a:extLst>
               <a:ext uri="{FF2B5EF4-FFF2-40B4-BE49-F238E27FC236}">
-                <a16:creationId xmlns:a16="http://schemas.microsoft.com/office/drawing/2014/main" id="{02E5EDD4-64DE-446A-9A05-258193A173E0}"/>
+                <a16:creationId xmlns:a16="http://schemas.microsoft.com/office/drawing/2014/main" xmlns="" id="{02E5EDD4-64DE-446A-9A05-258193A173E0}"/>
               </a:ext>
             </a:extLst>
           </p:cNvPr>
@@ -3419,7 +3420,7 @@
           <p:cNvPr id="14" name="Straight Arrow Connector 13">
             <a:extLst>
               <a:ext uri="{FF2B5EF4-FFF2-40B4-BE49-F238E27FC236}">
-                <a16:creationId xmlns:a16="http://schemas.microsoft.com/office/drawing/2014/main" id="{62A833FF-0BA1-4759-BF26-EA2A79915903}"/>
+                <a16:creationId xmlns:a16="http://schemas.microsoft.com/office/drawing/2014/main" xmlns="" id="{62A833FF-0BA1-4759-BF26-EA2A79915903}"/>
               </a:ext>
             </a:extLst>
           </p:cNvPr>
@@ -3458,7 +3459,7 @@
           <p:cNvPr id="15" name="Rectangle: Rounded Corners 14">
             <a:extLst>
               <a:ext uri="{FF2B5EF4-FFF2-40B4-BE49-F238E27FC236}">
-                <a16:creationId xmlns:a16="http://schemas.microsoft.com/office/drawing/2014/main" id="{951FBC45-67E2-4CF2-BB4E-C804D2D5E734}"/>
+                <a16:creationId xmlns:a16="http://schemas.microsoft.com/office/drawing/2014/main" xmlns="" id="{951FBC45-67E2-4CF2-BB4E-C804D2D5E734}"/>
               </a:ext>
             </a:extLst>
           </p:cNvPr>
@@ -3528,7 +3529,7 @@
           <p:cNvPr id="16" name="Rectangle: Rounded Corners 15">
             <a:extLst>
               <a:ext uri="{FF2B5EF4-FFF2-40B4-BE49-F238E27FC236}">
-                <a16:creationId xmlns:a16="http://schemas.microsoft.com/office/drawing/2014/main" id="{AA01E8F4-2BFC-4B0F-A2F7-BD998307F394}"/>
+                <a16:creationId xmlns:a16="http://schemas.microsoft.com/office/drawing/2014/main" xmlns="" id="{AA01E8F4-2BFC-4B0F-A2F7-BD998307F394}"/>
               </a:ext>
             </a:extLst>
           </p:cNvPr>
@@ -3598,7 +3599,7 @@
           <p:cNvPr id="17" name="Rectangle: Rounded Corners 16">
             <a:extLst>
               <a:ext uri="{FF2B5EF4-FFF2-40B4-BE49-F238E27FC236}">
-                <a16:creationId xmlns:a16="http://schemas.microsoft.com/office/drawing/2014/main" id="{738E6BAE-DF72-45AB-B8D9-C2A10F59CBB7}"/>
+                <a16:creationId xmlns:a16="http://schemas.microsoft.com/office/drawing/2014/main" xmlns="" id="{738E6BAE-DF72-45AB-B8D9-C2A10F59CBB7}"/>
               </a:ext>
             </a:extLst>
           </p:cNvPr>
@@ -3677,7 +3678,7 @@
           <p:cNvPr id="18" name="Rectangle: Rounded Corners 17">
             <a:extLst>
               <a:ext uri="{FF2B5EF4-FFF2-40B4-BE49-F238E27FC236}">
-                <a16:creationId xmlns:a16="http://schemas.microsoft.com/office/drawing/2014/main" id="{4ABA22BA-3B3D-4500-93CD-210CFD118A07}"/>
+                <a16:creationId xmlns:a16="http://schemas.microsoft.com/office/drawing/2014/main" xmlns="" id="{4ABA22BA-3B3D-4500-93CD-210CFD118A07}"/>
               </a:ext>
             </a:extLst>
           </p:cNvPr>
@@ -3747,7 +3748,7 @@
           <p:cNvPr id="19" name="Rectangle 18">
             <a:extLst>
               <a:ext uri="{FF2B5EF4-FFF2-40B4-BE49-F238E27FC236}">
-                <a16:creationId xmlns:a16="http://schemas.microsoft.com/office/drawing/2014/main" id="{025AB988-F829-49D8-9B7F-9DD645F90B0B}"/>
+                <a16:creationId xmlns:a16="http://schemas.microsoft.com/office/drawing/2014/main" xmlns="" id="{025AB988-F829-49D8-9B7F-9DD645F90B0B}"/>
               </a:ext>
             </a:extLst>
           </p:cNvPr>
@@ -3817,7 +3818,7 @@
           <p:cNvPr id="20" name="Connector: Elbow 19">
             <a:extLst>
               <a:ext uri="{FF2B5EF4-FFF2-40B4-BE49-F238E27FC236}">
-                <a16:creationId xmlns:a16="http://schemas.microsoft.com/office/drawing/2014/main" id="{2F665DE8-E168-4F71-B787-DB6FF93776D8}"/>
+                <a16:creationId xmlns:a16="http://schemas.microsoft.com/office/drawing/2014/main" xmlns="" id="{2F665DE8-E168-4F71-B787-DB6FF93776D8}"/>
               </a:ext>
             </a:extLst>
           </p:cNvPr>
@@ -3860,7 +3861,7 @@
           <p:cNvPr id="21" name="Straight Arrow Connector 20">
             <a:extLst>
               <a:ext uri="{FF2B5EF4-FFF2-40B4-BE49-F238E27FC236}">
-                <a16:creationId xmlns:a16="http://schemas.microsoft.com/office/drawing/2014/main" id="{4688F19C-BA98-4A5A-8F02-00DD9C0CFD98}"/>
+                <a16:creationId xmlns:a16="http://schemas.microsoft.com/office/drawing/2014/main" xmlns="" id="{4688F19C-BA98-4A5A-8F02-00DD9C0CFD98}"/>
               </a:ext>
             </a:extLst>
           </p:cNvPr>
@@ -3899,7 +3900,7 @@
           <p:cNvPr id="22" name="Connector: Elbow 21">
             <a:extLst>
               <a:ext uri="{FF2B5EF4-FFF2-40B4-BE49-F238E27FC236}">
-                <a16:creationId xmlns:a16="http://schemas.microsoft.com/office/drawing/2014/main" id="{2BC0E60C-F536-4622-9352-29F3FBE6BAFC}"/>
+                <a16:creationId xmlns:a16="http://schemas.microsoft.com/office/drawing/2014/main" xmlns="" id="{2BC0E60C-F536-4622-9352-29F3FBE6BAFC}"/>
               </a:ext>
             </a:extLst>
           </p:cNvPr>
@@ -3940,7 +3941,7 @@
           <p:cNvPr id="23" name="Connector: Elbow 22">
             <a:extLst>
               <a:ext uri="{FF2B5EF4-FFF2-40B4-BE49-F238E27FC236}">
-                <a16:creationId xmlns:a16="http://schemas.microsoft.com/office/drawing/2014/main" id="{B7E6C0AD-6E86-4D71-A45A-AC0B699F6BC0}"/>
+                <a16:creationId xmlns:a16="http://schemas.microsoft.com/office/drawing/2014/main" xmlns="" id="{B7E6C0AD-6E86-4D71-A45A-AC0B699F6BC0}"/>
               </a:ext>
             </a:extLst>
           </p:cNvPr>
@@ -3981,7 +3982,7 @@
           <p:cNvPr id="24" name="Straight Arrow Connector 23">
             <a:extLst>
               <a:ext uri="{FF2B5EF4-FFF2-40B4-BE49-F238E27FC236}">
-                <a16:creationId xmlns:a16="http://schemas.microsoft.com/office/drawing/2014/main" id="{ED959A3D-248B-47A7-B67E-3968E464EB17}"/>
+                <a16:creationId xmlns:a16="http://schemas.microsoft.com/office/drawing/2014/main" xmlns="" id="{ED959A3D-248B-47A7-B67E-3968E464EB17}"/>
               </a:ext>
             </a:extLst>
           </p:cNvPr>
@@ -4023,7 +4024,7 @@
           <p:cNvPr id="26" name="Straight Arrow Connector 25">
             <a:extLst>
               <a:ext uri="{FF2B5EF4-FFF2-40B4-BE49-F238E27FC236}">
-                <a16:creationId xmlns:a16="http://schemas.microsoft.com/office/drawing/2014/main" id="{7AB25C74-F087-477F-A04F-A3F9A949EB58}"/>
+                <a16:creationId xmlns:a16="http://schemas.microsoft.com/office/drawing/2014/main" xmlns="" id="{7AB25C74-F087-477F-A04F-A3F9A949EB58}"/>
               </a:ext>
             </a:extLst>
           </p:cNvPr>
@@ -4062,7 +4063,7 @@
           <p:cNvPr id="27" name="Connector: Elbow 26">
             <a:extLst>
               <a:ext uri="{FF2B5EF4-FFF2-40B4-BE49-F238E27FC236}">
-                <a16:creationId xmlns:a16="http://schemas.microsoft.com/office/drawing/2014/main" id="{C7D0D3BC-E123-4203-BDDC-C1DE1160705D}"/>
+                <a16:creationId xmlns:a16="http://schemas.microsoft.com/office/drawing/2014/main" xmlns="" id="{C7D0D3BC-E123-4203-BDDC-C1DE1160705D}"/>
               </a:ext>
             </a:extLst>
           </p:cNvPr>
@@ -4104,7 +4105,7 @@
           <p:cNvPr id="28" name="Oval 27">
             <a:extLst>
               <a:ext uri="{FF2B5EF4-FFF2-40B4-BE49-F238E27FC236}">
-                <a16:creationId xmlns:a16="http://schemas.microsoft.com/office/drawing/2014/main" id="{BDA78B96-C8D5-494A-A377-5A3FAB078841}"/>
+                <a16:creationId xmlns:a16="http://schemas.microsoft.com/office/drawing/2014/main" xmlns="" id="{BDA78B96-C8D5-494A-A377-5A3FAB078841}"/>
               </a:ext>
             </a:extLst>
           </p:cNvPr>
@@ -4174,7 +4175,7 @@
           <p:cNvPr id="29" name="Text Box 2">
             <a:extLst>
               <a:ext uri="{FF2B5EF4-FFF2-40B4-BE49-F238E27FC236}">
-                <a16:creationId xmlns:a16="http://schemas.microsoft.com/office/drawing/2014/main" id="{0C87590B-7784-4006-999F-50053EFD812E}"/>
+                <a16:creationId xmlns:a16="http://schemas.microsoft.com/office/drawing/2014/main" xmlns="" id="{0C87590B-7784-4006-999F-50053EFD812E}"/>
               </a:ext>
             </a:extLst>
           </p:cNvPr>
@@ -4244,7 +4245,7 @@
           <p:cNvPr id="31" name="Text Box 2">
             <a:extLst>
               <a:ext uri="{FF2B5EF4-FFF2-40B4-BE49-F238E27FC236}">
-                <a16:creationId xmlns:a16="http://schemas.microsoft.com/office/drawing/2014/main" id="{54F4A3E0-DEA4-43F2-AE80-E61FAF7DC2CB}"/>
+                <a16:creationId xmlns:a16="http://schemas.microsoft.com/office/drawing/2014/main" xmlns="" id="{54F4A3E0-DEA4-43F2-AE80-E61FAF7DC2CB}"/>
               </a:ext>
             </a:extLst>
           </p:cNvPr>
@@ -4329,7 +4330,7 @@
           <p:cNvPr id="32" name="Text Box 2">
             <a:extLst>
               <a:ext uri="{FF2B5EF4-FFF2-40B4-BE49-F238E27FC236}">
-                <a16:creationId xmlns:a16="http://schemas.microsoft.com/office/drawing/2014/main" id="{2C638B53-82D5-419C-97A7-B38E7BA1A079}"/>
+                <a16:creationId xmlns:a16="http://schemas.microsoft.com/office/drawing/2014/main" xmlns="" id="{2C638B53-82D5-419C-97A7-B38E7BA1A079}"/>
               </a:ext>
             </a:extLst>
           </p:cNvPr>
@@ -4399,7 +4400,7 @@
           <p:cNvPr id="33" name="Text Box 2">
             <a:extLst>
               <a:ext uri="{FF2B5EF4-FFF2-40B4-BE49-F238E27FC236}">
-                <a16:creationId xmlns:a16="http://schemas.microsoft.com/office/drawing/2014/main" id="{64D12590-08CA-4FA0-98DE-FE806F07AD7B}"/>
+                <a16:creationId xmlns:a16="http://schemas.microsoft.com/office/drawing/2014/main" xmlns="" id="{64D12590-08CA-4FA0-98DE-FE806F07AD7B}"/>
               </a:ext>
             </a:extLst>
           </p:cNvPr>
@@ -4484,7 +4485,7 @@
           <p:cNvPr id="34" name="Text Box 2">
             <a:extLst>
               <a:ext uri="{FF2B5EF4-FFF2-40B4-BE49-F238E27FC236}">
-                <a16:creationId xmlns:a16="http://schemas.microsoft.com/office/drawing/2014/main" id="{798645D9-B8FF-419C-8EDE-88CCB72BE86F}"/>
+                <a16:creationId xmlns:a16="http://schemas.microsoft.com/office/drawing/2014/main" xmlns="" id="{798645D9-B8FF-419C-8EDE-88CCB72BE86F}"/>
               </a:ext>
             </a:extLst>
           </p:cNvPr>
@@ -4554,7 +4555,7 @@
           <p:cNvPr id="35" name="Text Box 2">
             <a:extLst>
               <a:ext uri="{FF2B5EF4-FFF2-40B4-BE49-F238E27FC236}">
-                <a16:creationId xmlns:a16="http://schemas.microsoft.com/office/drawing/2014/main" id="{D2F24019-4C1F-4077-BE98-18F91ECEA65E}"/>
+                <a16:creationId xmlns:a16="http://schemas.microsoft.com/office/drawing/2014/main" xmlns="" id="{D2F24019-4C1F-4077-BE98-18F91ECEA65E}"/>
               </a:ext>
             </a:extLst>
           </p:cNvPr>
@@ -4639,7 +4640,7 @@
           <p:cNvPr id="36" name="Text Box 2">
             <a:extLst>
               <a:ext uri="{FF2B5EF4-FFF2-40B4-BE49-F238E27FC236}">
-                <a16:creationId xmlns:a16="http://schemas.microsoft.com/office/drawing/2014/main" id="{88019069-AED6-4B49-BAA1-51288A25D43C}"/>
+                <a16:creationId xmlns:a16="http://schemas.microsoft.com/office/drawing/2014/main" xmlns="" id="{88019069-AED6-4B49-BAA1-51288A25D43C}"/>
               </a:ext>
             </a:extLst>
           </p:cNvPr>
@@ -4709,7 +4710,7 @@
           <p:cNvPr id="37" name="Text Box 2">
             <a:extLst>
               <a:ext uri="{FF2B5EF4-FFF2-40B4-BE49-F238E27FC236}">
-                <a16:creationId xmlns:a16="http://schemas.microsoft.com/office/drawing/2014/main" id="{24FFC3D8-384A-46EC-88C5-E14115D44FC4}"/>
+                <a16:creationId xmlns:a16="http://schemas.microsoft.com/office/drawing/2014/main" xmlns="" id="{24FFC3D8-384A-46EC-88C5-E14115D44FC4}"/>
               </a:ext>
             </a:extLst>
           </p:cNvPr>
@@ -4779,7 +4780,7 @@
           <p:cNvPr id="50" name="Rectangle: Rounded Corners 17">
             <a:extLst>
               <a:ext uri="{FF2B5EF4-FFF2-40B4-BE49-F238E27FC236}">
-                <a16:creationId xmlns:a16="http://schemas.microsoft.com/office/drawing/2014/main" id="{4ABA22BA-3B3D-4500-93CD-210CFD118A07}"/>
+                <a16:creationId xmlns:a16="http://schemas.microsoft.com/office/drawing/2014/main" xmlns="" id="{4ABA22BA-3B3D-4500-93CD-210CFD118A07}"/>
               </a:ext>
             </a:extLst>
           </p:cNvPr>
@@ -4847,6 +4848,1651 @@
     <p:extLst>
       <p:ext uri="{BB962C8B-B14F-4D97-AF65-F5344CB8AC3E}">
         <p14:creationId xmlns:p14="http://schemas.microsoft.com/office/powerpoint/2010/main" val="2765025135"/>
+      </p:ext>
+    </p:extLst>
+  </p:cSld>
+  <p:clrMapOvr>
+    <a:masterClrMapping/>
+  </p:clrMapOvr>
+</p:sld>
+</file>
+
+<file path=ppt/slides/slide2.xml><?xml version="1.0" encoding="utf-8"?>
+<p:sld xmlns:a="http://schemas.openxmlformats.org/drawingml/2006/main" xmlns:r="http://schemas.openxmlformats.org/officeDocument/2006/relationships" xmlns:p="http://schemas.openxmlformats.org/presentationml/2006/main">
+  <p:cSld>
+    <p:spTree>
+      <p:nvGrpSpPr>
+        <p:cNvPr id="1" name=""/>
+        <p:cNvGrpSpPr/>
+        <p:nvPr/>
+      </p:nvGrpSpPr>
+      <p:grpSpPr>
+        <a:xfrm>
+          <a:off x="0" y="0"/>
+          <a:ext cx="0" cy="0"/>
+          <a:chOff x="0" y="0"/>
+          <a:chExt cx="0" cy="0"/>
+        </a:xfrm>
+      </p:grpSpPr>
+      <p:sp>
+        <p:nvSpPr>
+          <p:cNvPr id="12" name="Rectangle 11">
+            <a:extLst>
+              <a:ext uri="{FF2B5EF4-FFF2-40B4-BE49-F238E27FC236}">
+                <a16:creationId xmlns:a16="http://schemas.microsoft.com/office/drawing/2014/main" xmlns="" id="{02E5EDD4-64DE-446A-9A05-258193A173E0}"/>
+              </a:ext>
+            </a:extLst>
+          </p:cNvPr>
+          <p:cNvSpPr/>
+          <p:nvPr/>
+        </p:nvSpPr>
+        <p:spPr>
+          <a:xfrm>
+            <a:off x="8611733" y="1475892"/>
+            <a:ext cx="1284906" cy="950039"/>
+          </a:xfrm>
+          <a:prstGeom prst="rect">
+            <a:avLst/>
+          </a:prstGeom>
+        </p:spPr>
+        <p:style>
+          <a:lnRef idx="2">
+            <a:schemeClr val="dk1"/>
+          </a:lnRef>
+          <a:fillRef idx="1">
+            <a:schemeClr val="lt1"/>
+          </a:fillRef>
+          <a:effectRef idx="0">
+            <a:schemeClr val="dk1"/>
+          </a:effectRef>
+          <a:fontRef idx="minor">
+            <a:schemeClr val="dk1"/>
+          </a:fontRef>
+        </p:style>
+        <p:txBody>
+          <a:bodyPr rot="0" spcFirstLastPara="0" vert="horz" wrap="square" lIns="91440" tIns="45720" rIns="91440" bIns="45720" numCol="1" spcCol="0" rtlCol="0" fromWordArt="0" anchor="ctr" anchorCtr="0" forceAA="0" compatLnSpc="1">
+            <a:prstTxWarp prst="textNoShape">
+              <a:avLst/>
+            </a:prstTxWarp>
+            <a:noAutofit/>
+          </a:bodyPr>
+          <a:lstStyle/>
+          <a:p>
+            <a:pPr algn="ctr">
+              <a:lnSpc>
+                <a:spcPct val="107000"/>
+              </a:lnSpc>
+              <a:spcAft>
+                <a:spcPts val="800"/>
+              </a:spcAft>
+            </a:pPr>
+            <a:r>
+              <a:rPr lang="en-US" sz="1200" dirty="0" smtClean="0">
+                <a:effectLst/>
+                <a:latin typeface="Arial Nova" panose="020B0504020202020204" pitchFamily="34" charset="0"/>
+                <a:ea typeface="Calibri" panose="020F0502020204030204" pitchFamily="34" charset="0"/>
+                <a:cs typeface="Arial" panose="020B0604020202020204" pitchFamily="34" charset="0"/>
+              </a:rPr>
+              <a:t>inclusion </a:t>
+            </a:r>
+            <a:r>
+              <a:rPr lang="en-US" sz="1200" dirty="0">
+                <a:effectLst/>
+                <a:latin typeface="Arial Nova" panose="020B0504020202020204" pitchFamily="34" charset="0"/>
+                <a:ea typeface="Calibri" panose="020F0502020204030204" pitchFamily="34" charset="0"/>
+                <a:cs typeface="Arial" panose="020B0604020202020204" pitchFamily="34" charset="0"/>
+              </a:rPr>
+              <a:t>/ </a:t>
+            </a:r>
+            <a:r>
+              <a:rPr lang="en-US" sz="1200" dirty="0" smtClean="0">
+                <a:effectLst/>
+                <a:latin typeface="Arial Nova" panose="020B0504020202020204" pitchFamily="34" charset="0"/>
+                <a:ea typeface="Calibri" panose="020F0502020204030204" pitchFamily="34" charset="0"/>
+                <a:cs typeface="Arial" panose="020B0604020202020204" pitchFamily="34" charset="0"/>
+              </a:rPr>
+              <a:t>exclusion criteria</a:t>
+            </a:r>
+            <a:endParaRPr lang="en-US" sz="1200" dirty="0">
+              <a:effectLst/>
+              <a:latin typeface="Arial Nova" panose="020B0504020202020204" pitchFamily="34" charset="0"/>
+              <a:ea typeface="Calibri" panose="020F0502020204030204" pitchFamily="34" charset="0"/>
+              <a:cs typeface="Arial" panose="020B0604020202020204" pitchFamily="34" charset="0"/>
+            </a:endParaRPr>
+          </a:p>
+        </p:txBody>
+      </p:sp>
+      <p:cxnSp>
+        <p:nvCxnSpPr>
+          <p:cNvPr id="14" name="Straight Arrow Connector 13">
+            <a:extLst>
+              <a:ext uri="{FF2B5EF4-FFF2-40B4-BE49-F238E27FC236}">
+                <a16:creationId xmlns:a16="http://schemas.microsoft.com/office/drawing/2014/main" xmlns="" id="{62A833FF-0BA1-4759-BF26-EA2A79915903}"/>
+              </a:ext>
+            </a:extLst>
+          </p:cNvPr>
+          <p:cNvCxnSpPr/>
+          <p:nvPr/>
+        </p:nvCxnSpPr>
+        <p:spPr>
+          <a:xfrm>
+            <a:off x="6914995" y="1925027"/>
+            <a:ext cx="1696481" cy="0"/>
+          </a:xfrm>
+          <a:prstGeom prst="straightConnector1">
+            <a:avLst/>
+          </a:prstGeom>
+          <a:ln>
+            <a:tailEnd type="triangle"/>
+          </a:ln>
+        </p:spPr>
+        <p:style>
+          <a:lnRef idx="1">
+            <a:schemeClr val="dk1"/>
+          </a:lnRef>
+          <a:fillRef idx="0">
+            <a:schemeClr val="dk1"/>
+          </a:fillRef>
+          <a:effectRef idx="0">
+            <a:schemeClr val="dk1"/>
+          </a:effectRef>
+          <a:fontRef idx="minor">
+            <a:schemeClr val="tx1"/>
+          </a:fontRef>
+        </p:style>
+      </p:cxnSp>
+      <p:sp>
+        <p:nvSpPr>
+          <p:cNvPr id="15" name="Rectangle: Rounded Corners 14">
+            <a:extLst>
+              <a:ext uri="{FF2B5EF4-FFF2-40B4-BE49-F238E27FC236}">
+                <a16:creationId xmlns:a16="http://schemas.microsoft.com/office/drawing/2014/main" xmlns="" id="{951FBC45-67E2-4CF2-BB4E-C804D2D5E734}"/>
+              </a:ext>
+            </a:extLst>
+          </p:cNvPr>
+          <p:cNvSpPr/>
+          <p:nvPr/>
+        </p:nvSpPr>
+        <p:spPr>
+          <a:xfrm>
+            <a:off x="3394432" y="737250"/>
+            <a:ext cx="1279168" cy="615824"/>
+          </a:xfrm>
+          <a:prstGeom prst="roundRect">
+            <a:avLst/>
+          </a:prstGeom>
+        </p:spPr>
+        <p:style>
+          <a:lnRef idx="2">
+            <a:schemeClr val="dk1"/>
+          </a:lnRef>
+          <a:fillRef idx="1">
+            <a:schemeClr val="lt1"/>
+          </a:fillRef>
+          <a:effectRef idx="0">
+            <a:schemeClr val="dk1"/>
+          </a:effectRef>
+          <a:fontRef idx="minor">
+            <a:schemeClr val="dk1"/>
+          </a:fontRef>
+        </p:style>
+        <p:txBody>
+          <a:bodyPr rot="0" spcFirstLastPara="0" vert="horz" wrap="square" lIns="91440" tIns="45720" rIns="91440" bIns="45720" numCol="1" spcCol="0" rtlCol="0" fromWordArt="0" anchor="ctr" anchorCtr="0" forceAA="0" compatLnSpc="1">
+            <a:prstTxWarp prst="textNoShape">
+              <a:avLst/>
+            </a:prstTxWarp>
+            <a:noAutofit/>
+          </a:bodyPr>
+          <a:lstStyle/>
+          <a:p>
+            <a:pPr algn="ctr">
+              <a:lnSpc>
+                <a:spcPct val="107000"/>
+              </a:lnSpc>
+              <a:spcAft>
+                <a:spcPts val="800"/>
+              </a:spcAft>
+            </a:pPr>
+            <a:r>
+              <a:rPr lang="en-US" sz="1200" dirty="0" smtClean="0">
+                <a:effectLst/>
+                <a:latin typeface="Arial Nova" panose="020B0504020202020204" pitchFamily="34" charset="0"/>
+                <a:ea typeface="Calibri" panose="020F0502020204030204" pitchFamily="34" charset="0"/>
+                <a:cs typeface="Arial" panose="020B0604020202020204" pitchFamily="34" charset="0"/>
+              </a:rPr>
+              <a:t>Authors experience</a:t>
+            </a:r>
+            <a:endParaRPr lang="en-US" sz="1200" dirty="0">
+              <a:effectLst/>
+              <a:latin typeface="Arial Nova" panose="020B0504020202020204" pitchFamily="34" charset="0"/>
+              <a:ea typeface="Calibri" panose="020F0502020204030204" pitchFamily="34" charset="0"/>
+              <a:cs typeface="Arial" panose="020B0604020202020204" pitchFamily="34" charset="0"/>
+            </a:endParaRPr>
+          </a:p>
+        </p:txBody>
+      </p:sp>
+      <p:sp>
+        <p:nvSpPr>
+          <p:cNvPr id="16" name="Rectangle: Rounded Corners 15">
+            <a:extLst>
+              <a:ext uri="{FF2B5EF4-FFF2-40B4-BE49-F238E27FC236}">
+                <a16:creationId xmlns:a16="http://schemas.microsoft.com/office/drawing/2014/main" xmlns="" id="{AA01E8F4-2BFC-4B0F-A2F7-BD998307F394}"/>
+              </a:ext>
+            </a:extLst>
+          </p:cNvPr>
+          <p:cNvSpPr/>
+          <p:nvPr/>
+        </p:nvSpPr>
+        <p:spPr>
+          <a:xfrm>
+            <a:off x="3407916" y="1706459"/>
+            <a:ext cx="1254113" cy="524447"/>
+          </a:xfrm>
+          <a:prstGeom prst="roundRect">
+            <a:avLst/>
+          </a:prstGeom>
+        </p:spPr>
+        <p:style>
+          <a:lnRef idx="2">
+            <a:schemeClr val="dk1"/>
+          </a:lnRef>
+          <a:fillRef idx="1">
+            <a:schemeClr val="lt1"/>
+          </a:fillRef>
+          <a:effectRef idx="0">
+            <a:schemeClr val="dk1"/>
+          </a:effectRef>
+          <a:fontRef idx="minor">
+            <a:schemeClr val="dk1"/>
+          </a:fontRef>
+        </p:style>
+        <p:txBody>
+          <a:bodyPr rot="0" spcFirstLastPara="0" vert="horz" wrap="square" lIns="91440" tIns="45720" rIns="91440" bIns="45720" numCol="1" spcCol="0" rtlCol="0" fromWordArt="0" anchor="ctr" anchorCtr="0" forceAA="0" compatLnSpc="1">
+            <a:prstTxWarp prst="textNoShape">
+              <a:avLst/>
+            </a:prstTxWarp>
+            <a:noAutofit/>
+          </a:bodyPr>
+          <a:lstStyle/>
+          <a:p>
+            <a:pPr algn="ctr">
+              <a:lnSpc>
+                <a:spcPct val="107000"/>
+              </a:lnSpc>
+              <a:spcAft>
+                <a:spcPts val="800"/>
+              </a:spcAft>
+            </a:pPr>
+            <a:r>
+              <a:rPr lang="en-US" sz="1200" dirty="0" smtClean="0">
+                <a:effectLst/>
+                <a:latin typeface="Arial Nova" panose="020B0504020202020204" pitchFamily="34" charset="0"/>
+                <a:ea typeface="Calibri" panose="020F0502020204030204" pitchFamily="34" charset="0"/>
+                <a:cs typeface="Arial" panose="020B0604020202020204" pitchFamily="34" charset="0"/>
+              </a:rPr>
+              <a:t>list of mobile robots</a:t>
+            </a:r>
+            <a:endParaRPr lang="en-US" sz="1200" dirty="0">
+              <a:effectLst/>
+              <a:latin typeface="Arial Nova" panose="020B0504020202020204" pitchFamily="34" charset="0"/>
+              <a:ea typeface="Calibri" panose="020F0502020204030204" pitchFamily="34" charset="0"/>
+              <a:cs typeface="Arial" panose="020B0604020202020204" pitchFamily="34" charset="0"/>
+            </a:endParaRPr>
+          </a:p>
+        </p:txBody>
+      </p:sp>
+      <p:sp>
+        <p:nvSpPr>
+          <p:cNvPr id="17" name="Rectangle: Rounded Corners 16">
+            <a:extLst>
+              <a:ext uri="{FF2B5EF4-FFF2-40B4-BE49-F238E27FC236}">
+                <a16:creationId xmlns:a16="http://schemas.microsoft.com/office/drawing/2014/main" xmlns="" id="{738E6BAE-DF72-45AB-B8D9-C2A10F59CBB7}"/>
+              </a:ext>
+            </a:extLst>
+          </p:cNvPr>
+          <p:cNvSpPr/>
+          <p:nvPr/>
+        </p:nvSpPr>
+        <p:spPr>
+          <a:xfrm>
+            <a:off x="3429000" y="2680255"/>
+            <a:ext cx="1207629" cy="422484"/>
+          </a:xfrm>
+          <a:prstGeom prst="roundRect">
+            <a:avLst/>
+          </a:prstGeom>
+        </p:spPr>
+        <p:style>
+          <a:lnRef idx="2">
+            <a:schemeClr val="dk1"/>
+          </a:lnRef>
+          <a:fillRef idx="1">
+            <a:schemeClr val="lt1"/>
+          </a:fillRef>
+          <a:effectRef idx="0">
+            <a:schemeClr val="dk1"/>
+          </a:effectRef>
+          <a:fontRef idx="minor">
+            <a:schemeClr val="dk1"/>
+          </a:fontRef>
+        </p:style>
+        <p:txBody>
+          <a:bodyPr rot="0" spcFirstLastPara="0" vert="horz" wrap="square" lIns="91440" tIns="45720" rIns="91440" bIns="45720" numCol="1" spcCol="0" rtlCol="0" fromWordArt="0" anchor="ctr" anchorCtr="0" forceAA="0" compatLnSpc="1">
+            <a:prstTxWarp prst="textNoShape">
+              <a:avLst/>
+            </a:prstTxWarp>
+            <a:noAutofit/>
+          </a:bodyPr>
+          <a:lstStyle/>
+          <a:p>
+            <a:pPr algn="ctr">
+              <a:lnSpc>
+                <a:spcPct val="107000"/>
+              </a:lnSpc>
+              <a:spcAft>
+                <a:spcPts val="800"/>
+              </a:spcAft>
+            </a:pPr>
+            <a:r>
+              <a:rPr lang="en-US" sz="1200" dirty="0">
+                <a:effectLst/>
+                <a:latin typeface="Arial Nova" panose="020B0504020202020204" pitchFamily="34" charset="0"/>
+                <a:ea typeface="Calibri" panose="020F0502020204030204" pitchFamily="34" charset="0"/>
+                <a:cs typeface="Arial" panose="020B0604020202020204" pitchFamily="34" charset="0"/>
+              </a:rPr>
+              <a:t>Google </a:t>
+            </a:r>
+            <a:r>
+              <a:rPr lang="en-US" sz="1200" dirty="0" smtClean="0">
+                <a:effectLst/>
+                <a:latin typeface="Arial Nova" panose="020B0504020202020204" pitchFamily="34" charset="0"/>
+                <a:ea typeface="Calibri" panose="020F0502020204030204" pitchFamily="34" charset="0"/>
+                <a:cs typeface="Arial" panose="020B0604020202020204" pitchFamily="34" charset="0"/>
+              </a:rPr>
+              <a:t>search</a:t>
+            </a:r>
+            <a:endParaRPr lang="en-US" sz="1200" dirty="0">
+              <a:effectLst/>
+              <a:latin typeface="Arial Nova" panose="020B0504020202020204" pitchFamily="34" charset="0"/>
+              <a:ea typeface="Calibri" panose="020F0502020204030204" pitchFamily="34" charset="0"/>
+              <a:cs typeface="Arial" panose="020B0604020202020204" pitchFamily="34" charset="0"/>
+            </a:endParaRPr>
+          </a:p>
+        </p:txBody>
+      </p:sp>
+      <p:sp>
+        <p:nvSpPr>
+          <p:cNvPr id="18" name="Rectangle: Rounded Corners 17">
+            <a:extLst>
+              <a:ext uri="{FF2B5EF4-FFF2-40B4-BE49-F238E27FC236}">
+                <a16:creationId xmlns:a16="http://schemas.microsoft.com/office/drawing/2014/main" xmlns="" id="{4ABA22BA-3B3D-4500-93CD-210CFD118A07}"/>
+              </a:ext>
+            </a:extLst>
+          </p:cNvPr>
+          <p:cNvSpPr/>
+          <p:nvPr/>
+        </p:nvSpPr>
+        <p:spPr>
+          <a:xfrm>
+            <a:off x="3407916" y="3525382"/>
+            <a:ext cx="1254113" cy="443967"/>
+          </a:xfrm>
+          <a:prstGeom prst="roundRect">
+            <a:avLst/>
+          </a:prstGeom>
+        </p:spPr>
+        <p:style>
+          <a:lnRef idx="2">
+            <a:schemeClr val="dk1"/>
+          </a:lnRef>
+          <a:fillRef idx="1">
+            <a:schemeClr val="lt1"/>
+          </a:fillRef>
+          <a:effectRef idx="0">
+            <a:schemeClr val="dk1"/>
+          </a:effectRef>
+          <a:fontRef idx="minor">
+            <a:schemeClr val="dk1"/>
+          </a:fontRef>
+        </p:style>
+        <p:txBody>
+          <a:bodyPr rot="0" spcFirstLastPara="0" vert="horz" wrap="square" lIns="91440" tIns="45720" rIns="91440" bIns="45720" numCol="1" spcCol="0" rtlCol="0" fromWordArt="0" anchor="ctr" anchorCtr="0" forceAA="0" compatLnSpc="1">
+            <a:prstTxWarp prst="textNoShape">
+              <a:avLst/>
+            </a:prstTxWarp>
+            <a:noAutofit/>
+          </a:bodyPr>
+          <a:lstStyle/>
+          <a:p>
+            <a:pPr algn="ctr">
+              <a:lnSpc>
+                <a:spcPct val="107000"/>
+              </a:lnSpc>
+              <a:spcAft>
+                <a:spcPts val="800"/>
+              </a:spcAft>
+            </a:pPr>
+            <a:r>
+              <a:rPr lang="en-US" sz="1200" dirty="0">
+                <a:latin typeface="Arial Nova" panose="020B0504020202020204" pitchFamily="34" charset="0"/>
+                <a:ea typeface="Calibri" panose="020F0502020204030204" pitchFamily="34" charset="0"/>
+                <a:cs typeface="Arial" panose="020B0604020202020204" pitchFamily="34" charset="0"/>
+              </a:rPr>
+              <a:t>S</a:t>
+            </a:r>
+            <a:r>
+              <a:rPr lang="en-US" sz="1200" dirty="0" smtClean="0">
+                <a:effectLst/>
+                <a:latin typeface="Arial Nova" panose="020B0504020202020204" pitchFamily="34" charset="0"/>
+                <a:ea typeface="Calibri" panose="020F0502020204030204" pitchFamily="34" charset="0"/>
+                <a:cs typeface="Arial" panose="020B0604020202020204" pitchFamily="34" charset="0"/>
+              </a:rPr>
+              <a:t>nowballing</a:t>
+            </a:r>
+            <a:endParaRPr lang="en-US" sz="1200" dirty="0">
+              <a:effectLst/>
+              <a:latin typeface="Arial Nova" panose="020B0504020202020204" pitchFamily="34" charset="0"/>
+              <a:ea typeface="Calibri" panose="020F0502020204030204" pitchFamily="34" charset="0"/>
+              <a:cs typeface="Arial" panose="020B0604020202020204" pitchFamily="34" charset="0"/>
+            </a:endParaRPr>
+          </a:p>
+        </p:txBody>
+      </p:sp>
+      <p:sp>
+        <p:nvSpPr>
+          <p:cNvPr id="19" name="Rectangle 18">
+            <a:extLst>
+              <a:ext uri="{FF2B5EF4-FFF2-40B4-BE49-F238E27FC236}">
+                <a16:creationId xmlns:a16="http://schemas.microsoft.com/office/drawing/2014/main" xmlns="" id="{025AB988-F829-49D8-9B7F-9DD645F90B0B}"/>
+              </a:ext>
+            </a:extLst>
+          </p:cNvPr>
+          <p:cNvSpPr/>
+          <p:nvPr/>
+        </p:nvSpPr>
+        <p:spPr>
+          <a:xfrm>
+            <a:off x="5710986" y="1725463"/>
+            <a:ext cx="1129018" cy="543543"/>
+          </a:xfrm>
+          <a:prstGeom prst="rect">
+            <a:avLst/>
+          </a:prstGeom>
+        </p:spPr>
+        <p:style>
+          <a:lnRef idx="2">
+            <a:schemeClr val="dk1"/>
+          </a:lnRef>
+          <a:fillRef idx="1">
+            <a:schemeClr val="lt1"/>
+          </a:fillRef>
+          <a:effectRef idx="0">
+            <a:schemeClr val="dk1"/>
+          </a:effectRef>
+          <a:fontRef idx="minor">
+            <a:schemeClr val="dk1"/>
+          </a:fontRef>
+        </p:style>
+        <p:txBody>
+          <a:bodyPr rot="0" spcFirstLastPara="0" vert="horz" wrap="square" lIns="91440" tIns="45720" rIns="91440" bIns="45720" numCol="1" spcCol="0" rtlCol="0" fromWordArt="0" anchor="ctr" anchorCtr="0" forceAA="0" compatLnSpc="1">
+            <a:prstTxWarp prst="textNoShape">
+              <a:avLst/>
+            </a:prstTxWarp>
+            <a:noAutofit/>
+          </a:bodyPr>
+          <a:lstStyle/>
+          <a:p>
+            <a:pPr algn="ctr">
+              <a:lnSpc>
+                <a:spcPct val="107000"/>
+              </a:lnSpc>
+              <a:spcAft>
+                <a:spcPts val="800"/>
+              </a:spcAft>
+            </a:pPr>
+            <a:r>
+              <a:rPr lang="en-US" sz="1200" dirty="0" smtClean="0">
+                <a:effectLst/>
+                <a:latin typeface="Arial Nova" panose="020B0504020202020204" pitchFamily="34" charset="0"/>
+                <a:ea typeface="Calibri" panose="020F0502020204030204" pitchFamily="34" charset="0"/>
+                <a:cs typeface="Arial" panose="020B0604020202020204" pitchFamily="34" charset="0"/>
+              </a:rPr>
+              <a:t>programming environments</a:t>
+            </a:r>
+            <a:endParaRPr lang="en-US" sz="1200" dirty="0">
+              <a:effectLst/>
+              <a:latin typeface="Arial Nova" panose="020B0504020202020204" pitchFamily="34" charset="0"/>
+              <a:ea typeface="Calibri" panose="020F0502020204030204" pitchFamily="34" charset="0"/>
+              <a:cs typeface="Arial" panose="020B0604020202020204" pitchFamily="34" charset="0"/>
+            </a:endParaRPr>
+          </a:p>
+        </p:txBody>
+      </p:sp>
+      <p:cxnSp>
+        <p:nvCxnSpPr>
+          <p:cNvPr id="20" name="Connector: Elbow 19">
+            <a:extLst>
+              <a:ext uri="{FF2B5EF4-FFF2-40B4-BE49-F238E27FC236}">
+                <a16:creationId xmlns:a16="http://schemas.microsoft.com/office/drawing/2014/main" xmlns="" id="{2F665DE8-E168-4F71-B787-DB6FF93776D8}"/>
+              </a:ext>
+            </a:extLst>
+          </p:cNvPr>
+          <p:cNvCxnSpPr>
+            <a:stCxn id="15" idx="3"/>
+          </p:cNvCxnSpPr>
+          <p:nvPr/>
+        </p:nvCxnSpPr>
+        <p:spPr>
+          <a:xfrm>
+            <a:off x="4673600" y="1045162"/>
+            <a:ext cx="3919678" cy="675030"/>
+          </a:xfrm>
+          <a:prstGeom prst="bentConnector3">
+            <a:avLst>
+              <a:gd name="adj1" fmla="val 73976"/>
+            </a:avLst>
+          </a:prstGeom>
+          <a:ln>
+            <a:tailEnd type="triangle"/>
+          </a:ln>
+        </p:spPr>
+        <p:style>
+          <a:lnRef idx="1">
+            <a:schemeClr val="dk1"/>
+          </a:lnRef>
+          <a:fillRef idx="0">
+            <a:schemeClr val="dk1"/>
+          </a:fillRef>
+          <a:effectRef idx="0">
+            <a:schemeClr val="dk1"/>
+          </a:effectRef>
+          <a:fontRef idx="minor">
+            <a:schemeClr val="tx1"/>
+          </a:fontRef>
+        </p:style>
+      </p:cxnSp>
+      <p:cxnSp>
+        <p:nvCxnSpPr>
+          <p:cNvPr id="21" name="Straight Arrow Connector 20">
+            <a:extLst>
+              <a:ext uri="{FF2B5EF4-FFF2-40B4-BE49-F238E27FC236}">
+                <a16:creationId xmlns:a16="http://schemas.microsoft.com/office/drawing/2014/main" xmlns="" id="{4688F19C-BA98-4A5A-8F02-00DD9C0CFD98}"/>
+              </a:ext>
+            </a:extLst>
+          </p:cNvPr>
+          <p:cNvCxnSpPr/>
+          <p:nvPr/>
+        </p:nvCxnSpPr>
+        <p:spPr>
+          <a:xfrm flipV="1">
+            <a:off x="4652827" y="1973721"/>
+            <a:ext cx="1065357" cy="9757"/>
+          </a:xfrm>
+          <a:prstGeom prst="straightConnector1">
+            <a:avLst/>
+          </a:prstGeom>
+          <a:ln>
+            <a:tailEnd type="triangle"/>
+          </a:ln>
+        </p:spPr>
+        <p:style>
+          <a:lnRef idx="1">
+            <a:schemeClr val="dk1"/>
+          </a:lnRef>
+          <a:fillRef idx="0">
+            <a:schemeClr val="dk1"/>
+          </a:fillRef>
+          <a:effectRef idx="0">
+            <a:schemeClr val="dk1"/>
+          </a:effectRef>
+          <a:fontRef idx="minor">
+            <a:schemeClr val="tx1"/>
+          </a:fontRef>
+        </p:style>
+      </p:cxnSp>
+      <p:cxnSp>
+        <p:nvCxnSpPr>
+          <p:cNvPr id="22" name="Connector: Elbow 21">
+            <a:extLst>
+              <a:ext uri="{FF2B5EF4-FFF2-40B4-BE49-F238E27FC236}">
+                <a16:creationId xmlns:a16="http://schemas.microsoft.com/office/drawing/2014/main" xmlns="" id="{2BC0E60C-F536-4622-9352-29F3FBE6BAFC}"/>
+              </a:ext>
+            </a:extLst>
+          </p:cNvPr>
+          <p:cNvCxnSpPr>
+            <a:stCxn id="17" idx="3"/>
+          </p:cNvCxnSpPr>
+          <p:nvPr/>
+        </p:nvCxnSpPr>
+        <p:spPr>
+          <a:xfrm flipV="1">
+            <a:off x="4636629" y="2098011"/>
+            <a:ext cx="3982049" cy="793486"/>
+          </a:xfrm>
+          <a:prstGeom prst="bentConnector3">
+            <a:avLst>
+              <a:gd name="adj1" fmla="val 73282"/>
+            </a:avLst>
+          </a:prstGeom>
+          <a:ln>
+            <a:tailEnd type="triangle"/>
+          </a:ln>
+        </p:spPr>
+        <p:style>
+          <a:lnRef idx="1">
+            <a:schemeClr val="dk1"/>
+          </a:lnRef>
+          <a:fillRef idx="0">
+            <a:schemeClr val="dk1"/>
+          </a:fillRef>
+          <a:effectRef idx="0">
+            <a:schemeClr val="dk1"/>
+          </a:effectRef>
+          <a:fontRef idx="minor">
+            <a:schemeClr val="tx1"/>
+          </a:fontRef>
+        </p:style>
+      </p:cxnSp>
+      <p:cxnSp>
+        <p:nvCxnSpPr>
+          <p:cNvPr id="23" name="Connector: Elbow 22">
+            <a:extLst>
+              <a:ext uri="{FF2B5EF4-FFF2-40B4-BE49-F238E27FC236}">
+                <a16:creationId xmlns:a16="http://schemas.microsoft.com/office/drawing/2014/main" xmlns="" id="{B7E6C0AD-6E86-4D71-A45A-AC0B699F6BC0}"/>
+              </a:ext>
+            </a:extLst>
+          </p:cNvPr>
+          <p:cNvCxnSpPr/>
+          <p:nvPr/>
+        </p:nvCxnSpPr>
+        <p:spPr>
+          <a:xfrm flipV="1">
+            <a:off x="4733134" y="2250740"/>
+            <a:ext cx="3878342" cy="1528244"/>
+          </a:xfrm>
+          <a:prstGeom prst="bentConnector3">
+            <a:avLst>
+              <a:gd name="adj1" fmla="val 83580"/>
+            </a:avLst>
+          </a:prstGeom>
+          <a:ln>
+            <a:tailEnd type="triangle"/>
+          </a:ln>
+        </p:spPr>
+        <p:style>
+          <a:lnRef idx="1">
+            <a:schemeClr val="dk1"/>
+          </a:lnRef>
+          <a:fillRef idx="0">
+            <a:schemeClr val="dk1"/>
+          </a:fillRef>
+          <a:effectRef idx="0">
+            <a:schemeClr val="dk1"/>
+          </a:effectRef>
+          <a:fontRef idx="minor">
+            <a:schemeClr val="tx1"/>
+          </a:fontRef>
+        </p:style>
+      </p:cxnSp>
+      <p:cxnSp>
+        <p:nvCxnSpPr>
+          <p:cNvPr id="24" name="Straight Arrow Connector 23">
+            <a:extLst>
+              <a:ext uri="{FF2B5EF4-FFF2-40B4-BE49-F238E27FC236}">
+                <a16:creationId xmlns:a16="http://schemas.microsoft.com/office/drawing/2014/main" xmlns="" id="{ED959A3D-248B-47A7-B67E-3968E464EB17}"/>
+              </a:ext>
+            </a:extLst>
+          </p:cNvPr>
+          <p:cNvCxnSpPr>
+            <a:stCxn id="12" idx="2"/>
+            <a:endCxn id="28" idx="0"/>
+          </p:cNvCxnSpPr>
+          <p:nvPr/>
+        </p:nvCxnSpPr>
+        <p:spPr>
+          <a:xfrm flipH="1">
+            <a:off x="9227738" y="2425931"/>
+            <a:ext cx="26448" cy="2770331"/>
+          </a:xfrm>
+          <a:prstGeom prst="straightConnector1">
+            <a:avLst/>
+          </a:prstGeom>
+          <a:ln>
+            <a:tailEnd type="triangle"/>
+          </a:ln>
+        </p:spPr>
+        <p:style>
+          <a:lnRef idx="1">
+            <a:schemeClr val="dk1"/>
+          </a:lnRef>
+          <a:fillRef idx="0">
+            <a:schemeClr val="dk1"/>
+          </a:fillRef>
+          <a:effectRef idx="0">
+            <a:schemeClr val="dk1"/>
+          </a:effectRef>
+          <a:fontRef idx="minor">
+            <a:schemeClr val="tx1"/>
+          </a:fontRef>
+        </p:style>
+      </p:cxnSp>
+      <p:cxnSp>
+        <p:nvCxnSpPr>
+          <p:cNvPr id="26" name="Straight Arrow Connector 25">
+            <a:extLst>
+              <a:ext uri="{FF2B5EF4-FFF2-40B4-BE49-F238E27FC236}">
+                <a16:creationId xmlns:a16="http://schemas.microsoft.com/office/drawing/2014/main" xmlns="" id="{7AB25C74-F087-477F-A04F-A3F9A949EB58}"/>
+              </a:ext>
+            </a:extLst>
+          </p:cNvPr>
+          <p:cNvCxnSpPr/>
+          <p:nvPr/>
+        </p:nvCxnSpPr>
+        <p:spPr>
+          <a:xfrm flipH="1">
+            <a:off x="6521920" y="4636257"/>
+            <a:ext cx="2694520" cy="1297"/>
+          </a:xfrm>
+          <a:prstGeom prst="straightConnector1">
+            <a:avLst/>
+          </a:prstGeom>
+          <a:ln>
+            <a:tailEnd type="triangle"/>
+          </a:ln>
+        </p:spPr>
+        <p:style>
+          <a:lnRef idx="1">
+            <a:schemeClr val="dk1"/>
+          </a:lnRef>
+          <a:fillRef idx="0">
+            <a:schemeClr val="dk1"/>
+          </a:fillRef>
+          <a:effectRef idx="0">
+            <a:schemeClr val="dk1"/>
+          </a:effectRef>
+          <a:fontRef idx="minor">
+            <a:schemeClr val="tx1"/>
+          </a:fontRef>
+        </p:style>
+      </p:cxnSp>
+      <p:cxnSp>
+        <p:nvCxnSpPr>
+          <p:cNvPr id="27" name="Connector: Elbow 26">
+            <a:extLst>
+              <a:ext uri="{FF2B5EF4-FFF2-40B4-BE49-F238E27FC236}">
+                <a16:creationId xmlns:a16="http://schemas.microsoft.com/office/drawing/2014/main" xmlns="" id="{C7D0D3BC-E123-4203-BDDC-C1DE1160705D}"/>
+              </a:ext>
+            </a:extLst>
+          </p:cNvPr>
+          <p:cNvCxnSpPr>
+            <a:stCxn id="50" idx="2"/>
+            <a:endCxn id="28" idx="2"/>
+          </p:cNvCxnSpPr>
+          <p:nvPr/>
+        </p:nvCxnSpPr>
+        <p:spPr>
+          <a:xfrm rot="16200000" flipH="1">
+            <a:off x="6795247" y="4001822"/>
+            <a:ext cx="566433" cy="2524200"/>
+          </a:xfrm>
+          <a:prstGeom prst="bentConnector2">
+            <a:avLst/>
+          </a:prstGeom>
+          <a:ln>
+            <a:tailEnd type="triangle"/>
+          </a:ln>
+        </p:spPr>
+        <p:style>
+          <a:lnRef idx="1">
+            <a:schemeClr val="dk1"/>
+          </a:lnRef>
+          <a:fillRef idx="0">
+            <a:schemeClr val="dk1"/>
+          </a:fillRef>
+          <a:effectRef idx="0">
+            <a:schemeClr val="dk1"/>
+          </a:effectRef>
+          <a:fontRef idx="minor">
+            <a:schemeClr val="tx1"/>
+          </a:fontRef>
+        </p:style>
+      </p:cxnSp>
+      <p:sp>
+        <p:nvSpPr>
+          <p:cNvPr id="28" name="Oval 27">
+            <a:extLst>
+              <a:ext uri="{FF2B5EF4-FFF2-40B4-BE49-F238E27FC236}">
+                <a16:creationId xmlns:a16="http://schemas.microsoft.com/office/drawing/2014/main" xmlns="" id="{BDA78B96-C8D5-494A-A377-5A3FAB078841}"/>
+              </a:ext>
+            </a:extLst>
+          </p:cNvPr>
+          <p:cNvSpPr/>
+          <p:nvPr/>
+        </p:nvSpPr>
+        <p:spPr>
+          <a:xfrm>
+            <a:off x="8340563" y="5196262"/>
+            <a:ext cx="1774349" cy="701753"/>
+          </a:xfrm>
+          <a:prstGeom prst="ellipse">
+            <a:avLst/>
+          </a:prstGeom>
+        </p:spPr>
+        <p:style>
+          <a:lnRef idx="2">
+            <a:schemeClr val="dk1"/>
+          </a:lnRef>
+          <a:fillRef idx="1">
+            <a:schemeClr val="lt1"/>
+          </a:fillRef>
+          <a:effectRef idx="0">
+            <a:schemeClr val="dk1"/>
+          </a:effectRef>
+          <a:fontRef idx="minor">
+            <a:schemeClr val="dk1"/>
+          </a:fontRef>
+        </p:style>
+        <p:txBody>
+          <a:bodyPr rot="0" spcFirstLastPara="0" vert="horz" wrap="square" lIns="91440" tIns="45720" rIns="91440" bIns="45720" numCol="1" spcCol="0" rtlCol="0" fromWordArt="0" anchor="ctr" anchorCtr="0" forceAA="0" compatLnSpc="1">
+            <a:prstTxWarp prst="textNoShape">
+              <a:avLst/>
+            </a:prstTxWarp>
+            <a:noAutofit/>
+          </a:bodyPr>
+          <a:lstStyle/>
+          <a:p>
+            <a:pPr algn="ctr">
+              <a:lnSpc>
+                <a:spcPct val="107000"/>
+              </a:lnSpc>
+              <a:spcAft>
+                <a:spcPts val="800"/>
+              </a:spcAft>
+            </a:pPr>
+            <a:r>
+              <a:rPr lang="en-US" sz="1200" b="1" dirty="0" smtClean="0">
+                <a:effectLst/>
+                <a:latin typeface="Arial Nova" panose="020B0504020202020204" pitchFamily="34" charset="0"/>
+                <a:ea typeface="Calibri" panose="020F0502020204030204" pitchFamily="34" charset="0"/>
+                <a:cs typeface="Arial" panose="020B0604020202020204" pitchFamily="34" charset="0"/>
+              </a:rPr>
+              <a:t>29 environments</a:t>
+            </a:r>
+            <a:endParaRPr lang="en-US" sz="1200" b="1" dirty="0">
+              <a:effectLst/>
+              <a:latin typeface="Arial Nova" panose="020B0504020202020204" pitchFamily="34" charset="0"/>
+              <a:ea typeface="Calibri" panose="020F0502020204030204" pitchFamily="34" charset="0"/>
+              <a:cs typeface="Arial" panose="020B0604020202020204" pitchFamily="34" charset="0"/>
+            </a:endParaRPr>
+          </a:p>
+        </p:txBody>
+      </p:sp>
+      <p:sp>
+        <p:nvSpPr>
+          <p:cNvPr id="29" name="Text Box 2">
+            <a:extLst>
+              <a:ext uri="{FF2B5EF4-FFF2-40B4-BE49-F238E27FC236}">
+                <a16:creationId xmlns:a16="http://schemas.microsoft.com/office/drawing/2014/main" xmlns="" id="{0C87590B-7784-4006-999F-50053EFD812E}"/>
+              </a:ext>
+            </a:extLst>
+          </p:cNvPr>
+          <p:cNvSpPr txBox="1">
+            <a:spLocks noChangeArrowheads="1"/>
+          </p:cNvSpPr>
+          <p:nvPr/>
+        </p:nvSpPr>
+        <p:spPr bwMode="auto">
+          <a:xfrm rot="5400000">
+            <a:off x="8529139" y="3301720"/>
+            <a:ext cx="1332299" cy="375788"/>
+          </a:xfrm>
+          <a:prstGeom prst="rect">
+            <a:avLst/>
+          </a:prstGeom>
+          <a:ln>
+            <a:solidFill>
+              <a:schemeClr val="bg1"/>
+            </a:solidFill>
+            <a:headEnd/>
+            <a:tailEnd/>
+          </a:ln>
+        </p:spPr>
+        <p:style>
+          <a:lnRef idx="2">
+            <a:schemeClr val="dk1"/>
+          </a:lnRef>
+          <a:fillRef idx="1">
+            <a:schemeClr val="lt1"/>
+          </a:fillRef>
+          <a:effectRef idx="0">
+            <a:schemeClr val="dk1"/>
+          </a:effectRef>
+          <a:fontRef idx="minor">
+            <a:schemeClr val="dk1"/>
+          </a:fontRef>
+        </p:style>
+        <p:txBody>
+          <a:bodyPr rot="0" vert="horz" wrap="square" lIns="91440" tIns="45720" rIns="91440" bIns="45720" anchor="t" anchorCtr="0">
+            <a:noAutofit/>
+          </a:bodyPr>
+          <a:lstStyle/>
+          <a:p>
+            <a:pPr>
+              <a:lnSpc>
+                <a:spcPct val="107000"/>
+              </a:lnSpc>
+              <a:spcAft>
+                <a:spcPts val="800"/>
+              </a:spcAft>
+            </a:pPr>
+            <a:r>
+              <a:rPr lang="en-US" sz="1200" dirty="0">
+                <a:effectLst/>
+                <a:latin typeface="Arial Nova" panose="020B0504020202020204" pitchFamily="34" charset="0"/>
+                <a:ea typeface="Calibri" panose="020F0502020204030204" pitchFamily="34" charset="0"/>
+                <a:cs typeface="Arial" panose="020B0604020202020204" pitchFamily="34" charset="0"/>
+              </a:rPr>
+              <a:t>26 environments</a:t>
+            </a:r>
+          </a:p>
+        </p:txBody>
+      </p:sp>
+      <p:sp>
+        <p:nvSpPr>
+          <p:cNvPr id="31" name="Text Box 2">
+            <a:extLst>
+              <a:ext uri="{FF2B5EF4-FFF2-40B4-BE49-F238E27FC236}">
+                <a16:creationId xmlns:a16="http://schemas.microsoft.com/office/drawing/2014/main" xmlns="" id="{54F4A3E0-DEA4-43F2-AE80-E61FAF7DC2CB}"/>
+              </a:ext>
+            </a:extLst>
+          </p:cNvPr>
+          <p:cNvSpPr txBox="1">
+            <a:spLocks noChangeArrowheads="1"/>
+          </p:cNvSpPr>
+          <p:nvPr/>
+        </p:nvSpPr>
+        <p:spPr bwMode="auto">
+          <a:xfrm>
+            <a:off x="5240923" y="914828"/>
+            <a:ext cx="2163639" cy="281317"/>
+          </a:xfrm>
+          <a:prstGeom prst="rect">
+            <a:avLst/>
+          </a:prstGeom>
+          <a:ln>
+            <a:solidFill>
+              <a:schemeClr val="bg1"/>
+            </a:solidFill>
+            <a:headEnd/>
+            <a:tailEnd/>
+          </a:ln>
+        </p:spPr>
+        <p:style>
+          <a:lnRef idx="2">
+            <a:schemeClr val="dk1"/>
+          </a:lnRef>
+          <a:fillRef idx="1">
+            <a:schemeClr val="lt1"/>
+          </a:fillRef>
+          <a:effectRef idx="0">
+            <a:schemeClr val="dk1"/>
+          </a:effectRef>
+          <a:fontRef idx="minor">
+            <a:schemeClr val="dk1"/>
+          </a:fontRef>
+        </p:style>
+        <p:txBody>
+          <a:bodyPr rot="0" vert="horz" wrap="square" lIns="91440" tIns="45720" rIns="91440" bIns="45720" anchor="t" anchorCtr="0">
+            <a:noAutofit/>
+          </a:bodyPr>
+          <a:lstStyle/>
+          <a:p>
+            <a:pPr>
+              <a:lnSpc>
+                <a:spcPct val="107000"/>
+              </a:lnSpc>
+              <a:spcAft>
+                <a:spcPts val="800"/>
+              </a:spcAft>
+            </a:pPr>
+            <a:r>
+              <a:rPr lang="en-US" sz="1200" dirty="0">
+                <a:effectLst/>
+                <a:latin typeface="Arial Nova" panose="020B0504020202020204" pitchFamily="34" charset="0"/>
+                <a:ea typeface="Calibri" panose="020F0502020204030204" pitchFamily="34" charset="0"/>
+                <a:cs typeface="Arial" panose="020B0604020202020204" pitchFamily="34" charset="0"/>
+              </a:rPr>
+              <a:t>25 </a:t>
+            </a:r>
+            <a:r>
+              <a:rPr lang="en-US" sz="1200" dirty="0" smtClean="0">
+                <a:effectLst/>
+                <a:latin typeface="Arial Nova" panose="020B0504020202020204" pitchFamily="34" charset="0"/>
+                <a:ea typeface="Calibri" panose="020F0502020204030204" pitchFamily="34" charset="0"/>
+                <a:cs typeface="Arial" panose="020B0604020202020204" pitchFamily="34" charset="0"/>
+              </a:rPr>
+              <a:t>candidate environments</a:t>
+            </a:r>
+            <a:endParaRPr lang="en-US" sz="1200" dirty="0">
+              <a:effectLst/>
+              <a:latin typeface="Arial Nova" panose="020B0504020202020204" pitchFamily="34" charset="0"/>
+              <a:ea typeface="Calibri" panose="020F0502020204030204" pitchFamily="34" charset="0"/>
+              <a:cs typeface="Arial" panose="020B0604020202020204" pitchFamily="34" charset="0"/>
+            </a:endParaRPr>
+          </a:p>
+        </p:txBody>
+      </p:sp>
+      <p:sp>
+        <p:nvSpPr>
+          <p:cNvPr id="32" name="Text Box 2">
+            <a:extLst>
+              <a:ext uri="{FF2B5EF4-FFF2-40B4-BE49-F238E27FC236}">
+                <a16:creationId xmlns:a16="http://schemas.microsoft.com/office/drawing/2014/main" xmlns="" id="{2C638B53-82D5-419C-97A7-B38E7BA1A079}"/>
+              </a:ext>
+            </a:extLst>
+          </p:cNvPr>
+          <p:cNvSpPr txBox="1">
+            <a:spLocks noChangeArrowheads="1"/>
+          </p:cNvSpPr>
+          <p:nvPr/>
+        </p:nvSpPr>
+        <p:spPr bwMode="auto">
+          <a:xfrm>
+            <a:off x="4741111" y="1806624"/>
+            <a:ext cx="828363" cy="321542"/>
+          </a:xfrm>
+          <a:prstGeom prst="rect">
+            <a:avLst/>
+          </a:prstGeom>
+          <a:ln>
+            <a:solidFill>
+              <a:schemeClr val="bg1"/>
+            </a:solidFill>
+            <a:headEnd/>
+            <a:tailEnd/>
+          </a:ln>
+        </p:spPr>
+        <p:style>
+          <a:lnRef idx="2">
+            <a:schemeClr val="dk1"/>
+          </a:lnRef>
+          <a:fillRef idx="1">
+            <a:schemeClr val="lt1"/>
+          </a:fillRef>
+          <a:effectRef idx="0">
+            <a:schemeClr val="dk1"/>
+          </a:effectRef>
+          <a:fontRef idx="minor">
+            <a:schemeClr val="dk1"/>
+          </a:fontRef>
+        </p:style>
+        <p:txBody>
+          <a:bodyPr rot="0" vert="horz" wrap="square" lIns="91440" tIns="45720" rIns="91440" bIns="45720" anchor="t" anchorCtr="0">
+            <a:noAutofit/>
+          </a:bodyPr>
+          <a:lstStyle/>
+          <a:p>
+            <a:pPr>
+              <a:lnSpc>
+                <a:spcPct val="107000"/>
+              </a:lnSpc>
+              <a:spcAft>
+                <a:spcPts val="800"/>
+              </a:spcAft>
+            </a:pPr>
+            <a:r>
+              <a:rPr lang="en-US" sz="1200" dirty="0">
+                <a:effectLst/>
+                <a:latin typeface="Arial Nova" panose="020B0504020202020204" pitchFamily="34" charset="0"/>
+                <a:ea typeface="Calibri" panose="020F0502020204030204" pitchFamily="34" charset="0"/>
+                <a:cs typeface="Arial" panose="020B0604020202020204" pitchFamily="34" charset="0"/>
+              </a:rPr>
+              <a:t>59 robots</a:t>
+            </a:r>
+          </a:p>
+        </p:txBody>
+      </p:sp>
+      <p:sp>
+        <p:nvSpPr>
+          <p:cNvPr id="33" name="Text Box 2">
+            <a:extLst>
+              <a:ext uri="{FF2B5EF4-FFF2-40B4-BE49-F238E27FC236}">
+                <a16:creationId xmlns:a16="http://schemas.microsoft.com/office/drawing/2014/main" xmlns="" id="{64D12590-08CA-4FA0-98DE-FE806F07AD7B}"/>
+              </a:ext>
+            </a:extLst>
+          </p:cNvPr>
+          <p:cNvSpPr txBox="1">
+            <a:spLocks noChangeArrowheads="1"/>
+          </p:cNvSpPr>
+          <p:nvPr/>
+        </p:nvSpPr>
+        <p:spPr bwMode="auto">
+          <a:xfrm>
+            <a:off x="4955159" y="2798063"/>
+            <a:ext cx="1491685" cy="321542"/>
+          </a:xfrm>
+          <a:prstGeom prst="rect">
+            <a:avLst/>
+          </a:prstGeom>
+          <a:ln>
+            <a:solidFill>
+              <a:schemeClr val="bg1"/>
+            </a:solidFill>
+            <a:headEnd/>
+            <a:tailEnd/>
+          </a:ln>
+        </p:spPr>
+        <p:style>
+          <a:lnRef idx="2">
+            <a:schemeClr val="dk1"/>
+          </a:lnRef>
+          <a:fillRef idx="1">
+            <a:schemeClr val="lt1"/>
+          </a:fillRef>
+          <a:effectRef idx="0">
+            <a:schemeClr val="dk1"/>
+          </a:effectRef>
+          <a:fontRef idx="minor">
+            <a:schemeClr val="dk1"/>
+          </a:fontRef>
+        </p:style>
+        <p:txBody>
+          <a:bodyPr rot="0" vert="horz" wrap="square" lIns="91440" tIns="45720" rIns="91440" bIns="45720" anchor="t" anchorCtr="0">
+            <a:noAutofit/>
+          </a:bodyPr>
+          <a:lstStyle/>
+          <a:p>
+            <a:pPr>
+              <a:lnSpc>
+                <a:spcPct val="107000"/>
+              </a:lnSpc>
+              <a:spcAft>
+                <a:spcPts val="800"/>
+              </a:spcAft>
+            </a:pPr>
+            <a:r>
+              <a:rPr lang="en-US" sz="1200" dirty="0">
+                <a:effectLst/>
+                <a:latin typeface="Arial Nova" panose="020B0504020202020204" pitchFamily="34" charset="0"/>
+                <a:ea typeface="Calibri" panose="020F0502020204030204" pitchFamily="34" charset="0"/>
+                <a:cs typeface="Arial" panose="020B0604020202020204" pitchFamily="34" charset="0"/>
+              </a:rPr>
+              <a:t>373 search </a:t>
+            </a:r>
+            <a:r>
+              <a:rPr lang="en-US" sz="1200" dirty="0" smtClean="0">
+                <a:effectLst/>
+                <a:latin typeface="Arial Nova" panose="020B0504020202020204" pitchFamily="34" charset="0"/>
+                <a:ea typeface="Calibri" panose="020F0502020204030204" pitchFamily="34" charset="0"/>
+                <a:cs typeface="Arial" panose="020B0604020202020204" pitchFamily="34" charset="0"/>
+              </a:rPr>
+              <a:t>results</a:t>
+            </a:r>
+            <a:endParaRPr lang="en-US" sz="1200" dirty="0">
+              <a:effectLst/>
+              <a:latin typeface="Arial Nova" panose="020B0504020202020204" pitchFamily="34" charset="0"/>
+              <a:ea typeface="Calibri" panose="020F0502020204030204" pitchFamily="34" charset="0"/>
+              <a:cs typeface="Arial" panose="020B0604020202020204" pitchFamily="34" charset="0"/>
+            </a:endParaRPr>
+          </a:p>
+        </p:txBody>
+      </p:sp>
+      <p:sp>
+        <p:nvSpPr>
+          <p:cNvPr id="34" name="Text Box 2">
+            <a:extLst>
+              <a:ext uri="{FF2B5EF4-FFF2-40B4-BE49-F238E27FC236}">
+                <a16:creationId xmlns:a16="http://schemas.microsoft.com/office/drawing/2014/main" xmlns="" id="{798645D9-B8FF-419C-8EDE-88CCB72BE86F}"/>
+              </a:ext>
+            </a:extLst>
+          </p:cNvPr>
+          <p:cNvSpPr txBox="1">
+            <a:spLocks noChangeArrowheads="1"/>
+          </p:cNvSpPr>
+          <p:nvPr/>
+        </p:nvSpPr>
+        <p:spPr bwMode="auto">
+          <a:xfrm>
+            <a:off x="7085102" y="1771794"/>
+            <a:ext cx="1238583" cy="180468"/>
+          </a:xfrm>
+          <a:prstGeom prst="rect">
+            <a:avLst/>
+          </a:prstGeom>
+          <a:ln>
+            <a:solidFill>
+              <a:schemeClr val="bg1"/>
+            </a:solidFill>
+            <a:headEnd/>
+            <a:tailEnd/>
+          </a:ln>
+        </p:spPr>
+        <p:style>
+          <a:lnRef idx="2">
+            <a:schemeClr val="dk1"/>
+          </a:lnRef>
+          <a:fillRef idx="1">
+            <a:schemeClr val="lt1"/>
+          </a:fillRef>
+          <a:effectRef idx="0">
+            <a:schemeClr val="dk1"/>
+          </a:effectRef>
+          <a:fontRef idx="minor">
+            <a:schemeClr val="dk1"/>
+          </a:fontRef>
+        </p:style>
+        <p:txBody>
+          <a:bodyPr rot="0" vert="horz" wrap="square" lIns="91440" tIns="45720" rIns="91440" bIns="45720" anchor="t" anchorCtr="0">
+            <a:noAutofit/>
+          </a:bodyPr>
+          <a:lstStyle/>
+          <a:p>
+            <a:pPr>
+              <a:lnSpc>
+                <a:spcPct val="107000"/>
+              </a:lnSpc>
+              <a:spcAft>
+                <a:spcPts val="800"/>
+              </a:spcAft>
+            </a:pPr>
+            <a:r>
+              <a:rPr lang="en-US" sz="1100" dirty="0">
+                <a:effectLst/>
+                <a:latin typeface="Arial Nova" panose="020B0504020202020204" pitchFamily="34" charset="0"/>
+                <a:ea typeface="Calibri" panose="020F0502020204030204" pitchFamily="34" charset="0"/>
+                <a:cs typeface="Arial" panose="020B0604020202020204" pitchFamily="34" charset="0"/>
+              </a:rPr>
+              <a:t>59 environments</a:t>
+            </a:r>
+          </a:p>
+        </p:txBody>
+      </p:sp>
+      <p:sp>
+        <p:nvSpPr>
+          <p:cNvPr id="35" name="Text Box 2">
+            <a:extLst>
+              <a:ext uri="{FF2B5EF4-FFF2-40B4-BE49-F238E27FC236}">
+                <a16:creationId xmlns:a16="http://schemas.microsoft.com/office/drawing/2014/main" xmlns="" id="{D2F24019-4C1F-4077-BE98-18F91ECEA65E}"/>
+              </a:ext>
+            </a:extLst>
+          </p:cNvPr>
+          <p:cNvSpPr txBox="1">
+            <a:spLocks noChangeArrowheads="1"/>
+          </p:cNvSpPr>
+          <p:nvPr/>
+        </p:nvSpPr>
+        <p:spPr bwMode="auto">
+          <a:xfrm>
+            <a:off x="5028088" y="3629433"/>
+            <a:ext cx="2043965" cy="449392"/>
+          </a:xfrm>
+          <a:prstGeom prst="rect">
+            <a:avLst/>
+          </a:prstGeom>
+          <a:ln>
+            <a:solidFill>
+              <a:schemeClr val="bg1"/>
+            </a:solidFill>
+            <a:headEnd/>
+            <a:tailEnd/>
+          </a:ln>
+        </p:spPr>
+        <p:style>
+          <a:lnRef idx="2">
+            <a:schemeClr val="dk1"/>
+          </a:lnRef>
+          <a:fillRef idx="1">
+            <a:schemeClr val="lt1"/>
+          </a:fillRef>
+          <a:effectRef idx="0">
+            <a:schemeClr val="dk1"/>
+          </a:effectRef>
+          <a:fontRef idx="minor">
+            <a:schemeClr val="dk1"/>
+          </a:fontRef>
+        </p:style>
+        <p:txBody>
+          <a:bodyPr rot="0" vert="horz" wrap="square" lIns="91440" tIns="45720" rIns="91440" bIns="45720" anchor="t" anchorCtr="0">
+            <a:noAutofit/>
+          </a:bodyPr>
+          <a:lstStyle/>
+          <a:p>
+            <a:pPr>
+              <a:lnSpc>
+                <a:spcPct val="107000"/>
+              </a:lnSpc>
+              <a:spcAft>
+                <a:spcPts val="800"/>
+              </a:spcAft>
+            </a:pPr>
+            <a:r>
+              <a:rPr lang="en-US" sz="1200" dirty="0">
+                <a:effectLst/>
+                <a:latin typeface="Arial Nova" panose="020B0504020202020204" pitchFamily="34" charset="0"/>
+                <a:ea typeface="Calibri" panose="020F0502020204030204" pitchFamily="34" charset="0"/>
+                <a:cs typeface="Arial" panose="020B0604020202020204" pitchFamily="34" charset="0"/>
+              </a:rPr>
+              <a:t>83 </a:t>
+            </a:r>
+            <a:r>
+              <a:rPr lang="en-US" sz="1200" dirty="0" smtClean="0">
+                <a:effectLst/>
+                <a:latin typeface="Arial Nova" panose="020B0504020202020204" pitchFamily="34" charset="0"/>
+                <a:ea typeface="Calibri" panose="020F0502020204030204" pitchFamily="34" charset="0"/>
+                <a:cs typeface="Arial" panose="020B0604020202020204" pitchFamily="34" charset="0"/>
+              </a:rPr>
+              <a:t>candidate environments</a:t>
+            </a:r>
+            <a:endParaRPr lang="en-US" sz="1200" dirty="0">
+              <a:effectLst/>
+              <a:latin typeface="Arial Nova" panose="020B0504020202020204" pitchFamily="34" charset="0"/>
+              <a:ea typeface="Calibri" panose="020F0502020204030204" pitchFamily="34" charset="0"/>
+              <a:cs typeface="Arial" panose="020B0604020202020204" pitchFamily="34" charset="0"/>
+            </a:endParaRPr>
+          </a:p>
+        </p:txBody>
+      </p:sp>
+      <p:sp>
+        <p:nvSpPr>
+          <p:cNvPr id="36" name="Text Box 2">
+            <a:extLst>
+              <a:ext uri="{FF2B5EF4-FFF2-40B4-BE49-F238E27FC236}">
+                <a16:creationId xmlns:a16="http://schemas.microsoft.com/office/drawing/2014/main" xmlns="" id="{88019069-AED6-4B49-BAA1-51288A25D43C}"/>
+              </a:ext>
+            </a:extLst>
+          </p:cNvPr>
+          <p:cNvSpPr txBox="1">
+            <a:spLocks noChangeArrowheads="1"/>
+          </p:cNvSpPr>
+          <p:nvPr/>
+        </p:nvSpPr>
+        <p:spPr bwMode="auto">
+          <a:xfrm>
+            <a:off x="7072053" y="4455337"/>
+            <a:ext cx="1369702" cy="321542"/>
+          </a:xfrm>
+          <a:prstGeom prst="rect">
+            <a:avLst/>
+          </a:prstGeom>
+          <a:ln>
+            <a:solidFill>
+              <a:schemeClr val="bg1"/>
+            </a:solidFill>
+            <a:headEnd/>
+            <a:tailEnd/>
+          </a:ln>
+        </p:spPr>
+        <p:style>
+          <a:lnRef idx="2">
+            <a:schemeClr val="dk1"/>
+          </a:lnRef>
+          <a:fillRef idx="1">
+            <a:schemeClr val="lt1"/>
+          </a:fillRef>
+          <a:effectRef idx="0">
+            <a:schemeClr val="dk1"/>
+          </a:effectRef>
+          <a:fontRef idx="minor">
+            <a:schemeClr val="dk1"/>
+          </a:fontRef>
+        </p:style>
+        <p:txBody>
+          <a:bodyPr rot="0" vert="horz" wrap="square" lIns="91440" tIns="45720" rIns="91440" bIns="45720" anchor="t" anchorCtr="0">
+            <a:noAutofit/>
+          </a:bodyPr>
+          <a:lstStyle/>
+          <a:p>
+            <a:pPr>
+              <a:lnSpc>
+                <a:spcPct val="107000"/>
+              </a:lnSpc>
+              <a:spcAft>
+                <a:spcPts val="800"/>
+              </a:spcAft>
+            </a:pPr>
+            <a:r>
+              <a:rPr lang="en-US" sz="1200" dirty="0">
+                <a:effectLst/>
+                <a:latin typeface="Arial" panose="020B0604020202020204" pitchFamily="34" charset="0"/>
+                <a:ea typeface="Calibri" panose="020F0502020204030204" pitchFamily="34" charset="0"/>
+                <a:cs typeface="Arial" panose="020B0604020202020204" pitchFamily="34" charset="0"/>
+              </a:rPr>
+              <a:t>40 robots from 26 environments</a:t>
+            </a:r>
+          </a:p>
+        </p:txBody>
+      </p:sp>
+      <p:sp>
+        <p:nvSpPr>
+          <p:cNvPr id="37" name="Text Box 2">
+            <a:extLst>
+              <a:ext uri="{FF2B5EF4-FFF2-40B4-BE49-F238E27FC236}">
+                <a16:creationId xmlns:a16="http://schemas.microsoft.com/office/drawing/2014/main" xmlns="" id="{24FFC3D8-384A-46EC-88C5-E14115D44FC4}"/>
+              </a:ext>
+            </a:extLst>
+          </p:cNvPr>
+          <p:cNvSpPr txBox="1">
+            <a:spLocks noChangeArrowheads="1"/>
+          </p:cNvSpPr>
+          <p:nvPr/>
+        </p:nvSpPr>
+        <p:spPr bwMode="auto">
+          <a:xfrm>
+            <a:off x="6244968" y="5429423"/>
+            <a:ext cx="1232944" cy="321542"/>
+          </a:xfrm>
+          <a:prstGeom prst="rect">
+            <a:avLst/>
+          </a:prstGeom>
+          <a:ln>
+            <a:solidFill>
+              <a:schemeClr val="bg1"/>
+            </a:solidFill>
+            <a:headEnd/>
+            <a:tailEnd/>
+          </a:ln>
+        </p:spPr>
+        <p:style>
+          <a:lnRef idx="2">
+            <a:schemeClr val="dk1"/>
+          </a:lnRef>
+          <a:fillRef idx="1">
+            <a:schemeClr val="lt1"/>
+          </a:fillRef>
+          <a:effectRef idx="0">
+            <a:schemeClr val="dk1"/>
+          </a:effectRef>
+          <a:fontRef idx="minor">
+            <a:schemeClr val="dk1"/>
+          </a:fontRef>
+        </p:style>
+        <p:txBody>
+          <a:bodyPr rot="0" vert="horz" wrap="square" lIns="91440" tIns="45720" rIns="91440" bIns="45720" anchor="t" anchorCtr="0">
+            <a:noAutofit/>
+          </a:bodyPr>
+          <a:lstStyle/>
+          <a:p>
+            <a:pPr>
+              <a:lnSpc>
+                <a:spcPct val="107000"/>
+              </a:lnSpc>
+              <a:spcAft>
+                <a:spcPts val="800"/>
+              </a:spcAft>
+            </a:pPr>
+            <a:r>
+              <a:rPr lang="en-US" sz="1200" dirty="0">
+                <a:effectLst/>
+                <a:latin typeface="Arial Nova" panose="020B0604020202020204" pitchFamily="34" charset="0"/>
+                <a:ea typeface="Calibri" panose="020F0502020204030204" pitchFamily="34" charset="0"/>
+                <a:cs typeface="Arial" panose="020B0604020202020204" pitchFamily="34" charset="0"/>
+              </a:rPr>
+              <a:t>3 environments</a:t>
+            </a:r>
+          </a:p>
+        </p:txBody>
+      </p:sp>
+      <p:sp>
+        <p:nvSpPr>
+          <p:cNvPr id="50" name="Rectangle: Rounded Corners 17">
+            <a:extLst>
+              <a:ext uri="{FF2B5EF4-FFF2-40B4-BE49-F238E27FC236}">
+                <a16:creationId xmlns:a16="http://schemas.microsoft.com/office/drawing/2014/main" xmlns="" id="{4ABA22BA-3B3D-4500-93CD-210CFD118A07}"/>
+              </a:ext>
+            </a:extLst>
+          </p:cNvPr>
+          <p:cNvSpPr/>
+          <p:nvPr/>
+        </p:nvSpPr>
+        <p:spPr>
+          <a:xfrm>
+            <a:off x="5118941" y="4251511"/>
+            <a:ext cx="1394843" cy="729195"/>
+          </a:xfrm>
+          <a:prstGeom prst="roundRect">
+            <a:avLst/>
+          </a:prstGeom>
+        </p:spPr>
+        <p:style>
+          <a:lnRef idx="2">
+            <a:schemeClr val="dk1"/>
+          </a:lnRef>
+          <a:fillRef idx="1">
+            <a:schemeClr val="lt1"/>
+          </a:fillRef>
+          <a:effectRef idx="0">
+            <a:schemeClr val="dk1"/>
+          </a:effectRef>
+          <a:fontRef idx="minor">
+            <a:schemeClr val="dk1"/>
+          </a:fontRef>
+        </p:style>
+        <p:txBody>
+          <a:bodyPr rot="0" spcFirstLastPara="0" vert="horz" wrap="square" lIns="91440" tIns="45720" rIns="91440" bIns="45720" numCol="1" spcCol="0" rtlCol="0" fromWordArt="0" anchor="ctr" anchorCtr="0" forceAA="0" compatLnSpc="1">
+            <a:prstTxWarp prst="textNoShape">
+              <a:avLst/>
+            </a:prstTxWarp>
+            <a:noAutofit/>
+          </a:bodyPr>
+          <a:lstStyle/>
+          <a:p>
+            <a:pPr algn="ctr">
+              <a:lnSpc>
+                <a:spcPct val="107000"/>
+              </a:lnSpc>
+              <a:spcAft>
+                <a:spcPts val="800"/>
+              </a:spcAft>
+            </a:pPr>
+            <a:r>
+              <a:rPr lang="en-US" sz="1200" dirty="0" smtClean="0">
+                <a:latin typeface="Arial Nova" panose="020B0504020202020204" pitchFamily="34" charset="0"/>
+                <a:ea typeface="Calibri" panose="020F0502020204030204" pitchFamily="34" charset="0"/>
+                <a:cs typeface="Arial" panose="020B0604020202020204" pitchFamily="34" charset="0"/>
+              </a:rPr>
+              <a:t>find alternative environments</a:t>
+            </a:r>
+            <a:endParaRPr lang="en-US" sz="1200" dirty="0">
+              <a:effectLst/>
+              <a:latin typeface="Arial Nova" panose="020B0504020202020204" pitchFamily="34" charset="0"/>
+              <a:ea typeface="Calibri" panose="020F0502020204030204" pitchFamily="34" charset="0"/>
+              <a:cs typeface="Arial" panose="020B0604020202020204" pitchFamily="34" charset="0"/>
+            </a:endParaRPr>
+          </a:p>
+        </p:txBody>
+      </p:sp>
+      <p:cxnSp>
+        <p:nvCxnSpPr>
+          <p:cNvPr id="30" name="Connector: Elbow 26">
+            <a:extLst>
+              <a:ext uri="{FF2B5EF4-FFF2-40B4-BE49-F238E27FC236}">
+                <a16:creationId xmlns:a16="http://schemas.microsoft.com/office/drawing/2014/main" xmlns="" id="{C7D0D3BC-E123-4203-BDDC-C1DE1160705D}"/>
+              </a:ext>
+            </a:extLst>
+          </p:cNvPr>
+          <p:cNvCxnSpPr>
+            <a:stCxn id="15" idx="2"/>
+            <a:endCxn id="16" idx="0"/>
+          </p:cNvCxnSpPr>
+          <p:nvPr/>
+        </p:nvCxnSpPr>
+        <p:spPr>
+          <a:xfrm rot="16200000" flipH="1">
+            <a:off x="3857802" y="1529287"/>
+            <a:ext cx="353385" cy="957"/>
+          </a:xfrm>
+          <a:prstGeom prst="bentConnector3">
+            <a:avLst>
+              <a:gd name="adj1" fmla="val 50000"/>
+            </a:avLst>
+          </a:prstGeom>
+          <a:ln>
+            <a:tailEnd type="triangle"/>
+          </a:ln>
+        </p:spPr>
+        <p:style>
+          <a:lnRef idx="1">
+            <a:schemeClr val="dk1"/>
+          </a:lnRef>
+          <a:fillRef idx="0">
+            <a:schemeClr val="dk1"/>
+          </a:fillRef>
+          <a:effectRef idx="0">
+            <a:schemeClr val="dk1"/>
+          </a:effectRef>
+          <a:fontRef idx="minor">
+            <a:schemeClr val="tx1"/>
+          </a:fontRef>
+        </p:style>
+      </p:cxnSp>
+      <p:cxnSp>
+        <p:nvCxnSpPr>
+          <p:cNvPr id="38" name="Connector: Elbow 26">
+            <a:extLst>
+              <a:ext uri="{FF2B5EF4-FFF2-40B4-BE49-F238E27FC236}">
+                <a16:creationId xmlns:a16="http://schemas.microsoft.com/office/drawing/2014/main" xmlns="" id="{C7D0D3BC-E123-4203-BDDC-C1DE1160705D}"/>
+              </a:ext>
+            </a:extLst>
+          </p:cNvPr>
+          <p:cNvCxnSpPr>
+            <a:stCxn id="17" idx="0"/>
+            <a:endCxn id="16" idx="2"/>
+          </p:cNvCxnSpPr>
+          <p:nvPr/>
+        </p:nvCxnSpPr>
+        <p:spPr>
+          <a:xfrm rot="5400000" flipH="1" flipV="1">
+            <a:off x="3809220" y="2454502"/>
+            <a:ext cx="449349" cy="2158"/>
+          </a:xfrm>
+          <a:prstGeom prst="bentConnector3">
+            <a:avLst>
+              <a:gd name="adj1" fmla="val 50000"/>
+            </a:avLst>
+          </a:prstGeom>
+          <a:ln>
+            <a:tailEnd type="triangle"/>
+          </a:ln>
+        </p:spPr>
+        <p:style>
+          <a:lnRef idx="1">
+            <a:schemeClr val="dk1"/>
+          </a:lnRef>
+          <a:fillRef idx="0">
+            <a:schemeClr val="dk1"/>
+          </a:fillRef>
+          <a:effectRef idx="0">
+            <a:schemeClr val="dk1"/>
+          </a:effectRef>
+          <a:fontRef idx="minor">
+            <a:schemeClr val="tx1"/>
+          </a:fontRef>
+        </p:style>
+      </p:cxnSp>
+    </p:spTree>
+    <p:extLst>
+      <p:ext uri="{BB962C8B-B14F-4D97-AF65-F5344CB8AC3E}">
+        <p14:creationId xmlns:p14="http://schemas.microsoft.com/office/powerpoint/2010/main" val="2062718412"/>
       </p:ext>
     </p:extLst>
   </p:cSld>
@@ -4899,7 +6545,7 @@
     </a:clrScheme>
     <a:fontScheme name="Office">
       <a:majorFont>
-        <a:latin typeface="Calibri Light" panose="020F0302020204030204"/>
+        <a:latin typeface="Calibri Light"/>
         <a:ea typeface=""/>
         <a:cs typeface=""/>
         <a:font script="Jpan" typeface="游ゴシック Light"/>
@@ -4951,7 +6597,7 @@
         <a:font script="Tfng" typeface="Ebrima"/>
       </a:majorFont>
       <a:minorFont>
-        <a:latin typeface="Calibri" panose="020F0502020204030204"/>
+        <a:latin typeface="Calibri"/>
         <a:ea typeface=""/>
         <a:cs typeface=""/>
         <a:font script="Jpan" typeface="游ゴシック"/>
@@ -5145,7 +6791,7 @@
   <a:extraClrSchemeLst/>
   <a:extLst>
     <a:ext uri="{05A4C25C-085E-4340-85A3-A5531E510DB2}">
-      <thm15:themeFamily xmlns:thm15="http://schemas.microsoft.com/office/thememl/2012/main" name="Office Theme" id="{62F939B6-93AF-4DB8-9C6B-D6C7DFDC589F}" vid="{4A3C46E8-61CC-4603-A589-7422A47A8E4A}"/>
+      <thm15:themeFamily xmlns:thm15="http://schemas.microsoft.com/office/thememl/2012/main" xmlns="" name="Office Theme" id="{62F939B6-93AF-4DB8-9C6B-D6C7DFDC589F}" vid="{4A3C46E8-61CC-4603-A589-7422A47A8E4A}"/>
     </a:ext>
   </a:extLst>
 </a:theme>
